--- a/PPT/CSS/06响应式开发.pptx
+++ b/PPT/CSS/06响应式开发.pptx
@@ -5,26 +5,26 @@
     <p:sldMasterId id="2147483648" r:id="rId1"/>
   </p:sldMasterIdLst>
   <p:notesMasterIdLst>
-    <p:notesMasterId r:id="rId19"/>
+    <p:notesMasterId r:id="rId4"/>
   </p:notesMasterIdLst>
   <p:sldIdLst>
-    <p:sldId id="302" r:id="rId2"/>
-    <p:sldId id="555" r:id="rId3"/>
-    <p:sldId id="556" r:id="rId4"/>
-    <p:sldId id="592" r:id="rId5"/>
-    <p:sldId id="468" r:id="rId6"/>
-    <p:sldId id="600" r:id="rId7"/>
-    <p:sldId id="588" r:id="rId8"/>
-    <p:sldId id="589" r:id="rId9"/>
-    <p:sldId id="590" r:id="rId10"/>
-    <p:sldId id="601" r:id="rId11"/>
-    <p:sldId id="469" r:id="rId12"/>
-    <p:sldId id="603" r:id="rId13"/>
-    <p:sldId id="602" r:id="rId14"/>
-    <p:sldId id="604" r:id="rId15"/>
-    <p:sldId id="605" r:id="rId16"/>
-    <p:sldId id="606" r:id="rId17"/>
-    <p:sldId id="551" r:id="rId18"/>
+    <p:sldId id="302" r:id="rId3"/>
+    <p:sldId id="555" r:id="rId5"/>
+    <p:sldId id="556" r:id="rId6"/>
+    <p:sldId id="592" r:id="rId7"/>
+    <p:sldId id="468" r:id="rId8"/>
+    <p:sldId id="600" r:id="rId9"/>
+    <p:sldId id="588" r:id="rId10"/>
+    <p:sldId id="589" r:id="rId11"/>
+    <p:sldId id="590" r:id="rId12"/>
+    <p:sldId id="601" r:id="rId13"/>
+    <p:sldId id="469" r:id="rId14"/>
+    <p:sldId id="603" r:id="rId15"/>
+    <p:sldId id="602" r:id="rId16"/>
+    <p:sldId id="604" r:id="rId17"/>
+    <p:sldId id="605" r:id="rId18"/>
+    <p:sldId id="606" r:id="rId19"/>
+    <p:sldId id="551" r:id="rId20"/>
   </p:sldIdLst>
   <p:sldSz cx="9144000" cy="5143500" type="screen16x9"/>
   <p:notesSz cx="6858000" cy="9144000"/>
@@ -123,6 +123,11 @@
       </a:defRPr>
     </a:lvl9pPr>
   </p:defaultTextStyle>
+  <p:extLst>
+    <p:ext uri="{505F2C04-C923-438B-8C0F-E0CD2BADF298}">
+      <wppc:fontMiss xmlns:wppc="http://www.wps.cn/officeDocument/PresentationCustomData" type="true"/>
+    </p:ext>
+  </p:extLst>
 </p:presentation>
 </file>
 
@@ -208,8 +213,6 @@
           <a:p>
             <a:fld id="{6854A1DB-77B4-46A1-8248-376E3A826541}" type="datetimeFigureOut">
               <a:rPr lang="zh-CN" altLang="en-US" smtClean="0"/>
-              <a:pPr/>
-              <a:t>2019/8/6</a:t>
             </a:fld>
             <a:endParaRPr lang="zh-CN" altLang="en-US"/>
           </a:p>
@@ -276,6 +279,7 @@
               <a:rPr lang="zh-CN" altLang="en-US" smtClean="0"/>
               <a:t>单击此处编辑母版文本样式</a:t>
             </a:r>
+            <a:endParaRPr lang="zh-CN" altLang="en-US" smtClean="0"/>
           </a:p>
           <a:p>
             <a:pPr lvl="1"/>
@@ -283,6 +287,7 @@
               <a:rPr lang="zh-CN" altLang="en-US" smtClean="0"/>
               <a:t>第二级</a:t>
             </a:r>
+            <a:endParaRPr lang="zh-CN" altLang="en-US" smtClean="0"/>
           </a:p>
           <a:p>
             <a:pPr lvl="2"/>
@@ -290,6 +295,7 @@
               <a:rPr lang="zh-CN" altLang="en-US" smtClean="0"/>
               <a:t>第三级</a:t>
             </a:r>
+            <a:endParaRPr lang="zh-CN" altLang="en-US" smtClean="0"/>
           </a:p>
           <a:p>
             <a:pPr lvl="3"/>
@@ -297,6 +303,7 @@
               <a:rPr lang="zh-CN" altLang="en-US" smtClean="0"/>
               <a:t>第四级</a:t>
             </a:r>
+            <a:endParaRPr lang="zh-CN" altLang="en-US" smtClean="0"/>
           </a:p>
           <a:p>
             <a:pPr lvl="4"/>
@@ -368,8 +375,6 @@
           <a:p>
             <a:fld id="{B7F4DA30-AA03-4F72-96B9-33D624FA8F47}" type="slidenum">
               <a:rPr lang="zh-CN" altLang="en-US" smtClean="0"/>
-              <a:pPr/>
-              <a:t>‹#›</a:t>
             </a:fld>
             <a:endParaRPr lang="zh-CN" altLang="en-US"/>
           </a:p>
@@ -543,8 +548,6 @@
           <a:p>
             <a:fld id="{B7F4DA30-AA03-4F72-96B9-33D624FA8F47}" type="slidenum">
               <a:rPr lang="zh-CN" altLang="en-US" smtClean="0"/>
-              <a:pPr/>
-              <a:t>1</a:t>
             </a:fld>
             <a:endParaRPr lang="zh-CN" altLang="en-US"/>
           </a:p>
@@ -628,8 +631,6 @@
           <a:p>
             <a:fld id="{B7F4DA30-AA03-4F72-96B9-33D624FA8F47}" type="slidenum">
               <a:rPr lang="zh-CN" altLang="en-US" smtClean="0"/>
-              <a:pPr/>
-              <a:t>10</a:t>
             </a:fld>
             <a:endParaRPr lang="zh-CN" altLang="en-US"/>
           </a:p>
@@ -713,8 +714,6 @@
           <a:p>
             <a:fld id="{B7F4DA30-AA03-4F72-96B9-33D624FA8F47}" type="slidenum">
               <a:rPr lang="zh-CN" altLang="en-US" smtClean="0"/>
-              <a:pPr/>
-              <a:t>11</a:t>
             </a:fld>
             <a:endParaRPr lang="zh-CN" altLang="en-US"/>
           </a:p>
@@ -798,8 +797,6 @@
           <a:p>
             <a:fld id="{B7F4DA30-AA03-4F72-96B9-33D624FA8F47}" type="slidenum">
               <a:rPr lang="zh-CN" altLang="en-US" smtClean="0"/>
-              <a:pPr/>
-              <a:t>12</a:t>
             </a:fld>
             <a:endParaRPr lang="zh-CN" altLang="en-US"/>
           </a:p>
@@ -883,8 +880,6 @@
           <a:p>
             <a:fld id="{B7F4DA30-AA03-4F72-96B9-33D624FA8F47}" type="slidenum">
               <a:rPr lang="zh-CN" altLang="en-US" smtClean="0"/>
-              <a:pPr/>
-              <a:t>13</a:t>
             </a:fld>
             <a:endParaRPr lang="zh-CN" altLang="en-US"/>
           </a:p>
@@ -968,8 +963,6 @@
           <a:p>
             <a:fld id="{B7F4DA30-AA03-4F72-96B9-33D624FA8F47}" type="slidenum">
               <a:rPr lang="zh-CN" altLang="en-US" smtClean="0"/>
-              <a:pPr/>
-              <a:t>14</a:t>
             </a:fld>
             <a:endParaRPr lang="zh-CN" altLang="en-US"/>
           </a:p>
@@ -1053,8 +1046,6 @@
           <a:p>
             <a:fld id="{B7F4DA30-AA03-4F72-96B9-33D624FA8F47}" type="slidenum">
               <a:rPr lang="zh-CN" altLang="en-US" smtClean="0"/>
-              <a:pPr/>
-              <a:t>15</a:t>
             </a:fld>
             <a:endParaRPr lang="zh-CN" altLang="en-US"/>
           </a:p>
@@ -1138,8 +1129,6 @@
           <a:p>
             <a:fld id="{B7F4DA30-AA03-4F72-96B9-33D624FA8F47}" type="slidenum">
               <a:rPr lang="zh-CN" altLang="en-US" smtClean="0"/>
-              <a:pPr/>
-              <a:t>16</a:t>
             </a:fld>
             <a:endParaRPr lang="zh-CN" altLang="en-US"/>
           </a:p>
@@ -1223,8 +1212,6 @@
           <a:p>
             <a:fld id="{B7F4DA30-AA03-4F72-96B9-33D624FA8F47}" type="slidenum">
               <a:rPr lang="zh-CN" altLang="en-US" smtClean="0"/>
-              <a:pPr/>
-              <a:t>17</a:t>
             </a:fld>
             <a:endParaRPr lang="zh-CN" altLang="en-US"/>
           </a:p>
@@ -1308,8 +1295,6 @@
           <a:p>
             <a:fld id="{B7F4DA30-AA03-4F72-96B9-33D624FA8F47}" type="slidenum">
               <a:rPr lang="zh-CN" altLang="en-US" smtClean="0"/>
-              <a:pPr/>
-              <a:t>2</a:t>
             </a:fld>
             <a:endParaRPr lang="zh-CN" altLang="en-US"/>
           </a:p>
@@ -1393,8 +1378,6 @@
           <a:p>
             <a:fld id="{B7F4DA30-AA03-4F72-96B9-33D624FA8F47}" type="slidenum">
               <a:rPr lang="zh-CN" altLang="en-US" smtClean="0"/>
-              <a:pPr/>
-              <a:t>3</a:t>
             </a:fld>
             <a:endParaRPr lang="zh-CN" altLang="en-US"/>
           </a:p>
@@ -1478,8 +1461,6 @@
           <a:p>
             <a:fld id="{B7F4DA30-AA03-4F72-96B9-33D624FA8F47}" type="slidenum">
               <a:rPr lang="zh-CN" altLang="en-US" smtClean="0"/>
-              <a:pPr/>
-              <a:t>4</a:t>
             </a:fld>
             <a:endParaRPr lang="zh-CN" altLang="en-US"/>
           </a:p>
@@ -1563,8 +1544,6 @@
           <a:p>
             <a:fld id="{B7F4DA30-AA03-4F72-96B9-33D624FA8F47}" type="slidenum">
               <a:rPr lang="zh-CN" altLang="en-US" smtClean="0"/>
-              <a:pPr/>
-              <a:t>5</a:t>
             </a:fld>
             <a:endParaRPr lang="zh-CN" altLang="en-US"/>
           </a:p>
@@ -1648,8 +1627,6 @@
           <a:p>
             <a:fld id="{B7F4DA30-AA03-4F72-96B9-33D624FA8F47}" type="slidenum">
               <a:rPr lang="zh-CN" altLang="en-US" smtClean="0"/>
-              <a:pPr/>
-              <a:t>6</a:t>
             </a:fld>
             <a:endParaRPr lang="zh-CN" altLang="en-US"/>
           </a:p>
@@ -1733,8 +1710,6 @@
           <a:p>
             <a:fld id="{B7F4DA30-AA03-4F72-96B9-33D624FA8F47}" type="slidenum">
               <a:rPr lang="zh-CN" altLang="en-US" smtClean="0"/>
-              <a:pPr/>
-              <a:t>7</a:t>
             </a:fld>
             <a:endParaRPr lang="zh-CN" altLang="en-US"/>
           </a:p>
@@ -1818,8 +1793,6 @@
           <a:p>
             <a:fld id="{B7F4DA30-AA03-4F72-96B9-33D624FA8F47}" type="slidenum">
               <a:rPr lang="zh-CN" altLang="en-US" smtClean="0"/>
-              <a:pPr/>
-              <a:t>8</a:t>
             </a:fld>
             <a:endParaRPr lang="zh-CN" altLang="en-US"/>
           </a:p>
@@ -1903,8 +1876,6 @@
           <a:p>
             <a:fld id="{B7F4DA30-AA03-4F72-96B9-33D624FA8F47}" type="slidenum">
               <a:rPr lang="zh-CN" altLang="en-US" smtClean="0"/>
-              <a:pPr/>
-              <a:t>9</a:t>
             </a:fld>
             <a:endParaRPr lang="zh-CN" altLang="en-US"/>
           </a:p>
@@ -2099,8 +2070,6 @@
           <a:p>
             <a:fld id="{33EF50FB-A872-4548-BE96-D55726568788}" type="datetimeFigureOut">
               <a:rPr lang="zh-CN" altLang="en-US" smtClean="0"/>
-              <a:pPr/>
-              <a:t>2019/8/6</a:t>
             </a:fld>
             <a:endParaRPr lang="zh-CN" altLang="en-US"/>
           </a:p>
@@ -2142,8 +2111,6 @@
           <a:p>
             <a:fld id="{FD2FABEE-F649-434F-AA04-C5194DFCC830}" type="slidenum">
               <a:rPr lang="zh-CN" altLang="en-US" smtClean="0"/>
-              <a:pPr/>
-              <a:t>‹#›</a:t>
             </a:fld>
             <a:endParaRPr lang="zh-CN" altLang="en-US"/>
           </a:p>
@@ -2329,6 +2296,7 @@
               <a:rPr lang="zh-CN" altLang="en-US" smtClean="0"/>
               <a:t>单击此处编辑母版文本样式</a:t>
             </a:r>
+            <a:endParaRPr lang="zh-CN" altLang="en-US" smtClean="0"/>
           </a:p>
         </p:txBody>
       </p:sp>
@@ -2349,8 +2317,6 @@
           <a:p>
             <a:fld id="{33EF50FB-A872-4548-BE96-D55726568788}" type="datetimeFigureOut">
               <a:rPr lang="zh-CN" altLang="en-US" smtClean="0"/>
-              <a:pPr/>
-              <a:t>2019/8/6</a:t>
             </a:fld>
             <a:endParaRPr lang="zh-CN" altLang="en-US"/>
           </a:p>
@@ -2392,8 +2358,6 @@
           <a:p>
             <a:fld id="{FD2FABEE-F649-434F-AA04-C5194DFCC830}" type="slidenum">
               <a:rPr lang="zh-CN" altLang="en-US" smtClean="0"/>
-              <a:pPr/>
-              <a:t>‹#›</a:t>
             </a:fld>
             <a:endParaRPr lang="zh-CN" altLang="en-US"/>
           </a:p>
@@ -2467,6 +2431,7 @@
               <a:rPr lang="zh-CN" altLang="en-US" smtClean="0"/>
               <a:t>单击此处编辑母版文本样式</a:t>
             </a:r>
+            <a:endParaRPr lang="zh-CN" altLang="en-US" smtClean="0"/>
           </a:p>
           <a:p>
             <a:pPr lvl="1"/>
@@ -2474,6 +2439,7 @@
               <a:rPr lang="zh-CN" altLang="en-US" smtClean="0"/>
               <a:t>第二级</a:t>
             </a:r>
+            <a:endParaRPr lang="zh-CN" altLang="en-US" smtClean="0"/>
           </a:p>
           <a:p>
             <a:pPr lvl="2"/>
@@ -2481,6 +2447,7 @@
               <a:rPr lang="zh-CN" altLang="en-US" smtClean="0"/>
               <a:t>第三级</a:t>
             </a:r>
+            <a:endParaRPr lang="zh-CN" altLang="en-US" smtClean="0"/>
           </a:p>
           <a:p>
             <a:pPr lvl="3"/>
@@ -2488,6 +2455,7 @@
               <a:rPr lang="zh-CN" altLang="en-US" smtClean="0"/>
               <a:t>第四级</a:t>
             </a:r>
+            <a:endParaRPr lang="zh-CN" altLang="en-US" smtClean="0"/>
           </a:p>
           <a:p>
             <a:pPr lvl="4"/>
@@ -2516,8 +2484,6 @@
           <a:p>
             <a:fld id="{33EF50FB-A872-4548-BE96-D55726568788}" type="datetimeFigureOut">
               <a:rPr lang="zh-CN" altLang="en-US" smtClean="0"/>
-              <a:pPr/>
-              <a:t>2019/8/6</a:t>
             </a:fld>
             <a:endParaRPr lang="zh-CN" altLang="en-US"/>
           </a:p>
@@ -2559,8 +2525,6 @@
           <a:p>
             <a:fld id="{FD2FABEE-F649-434F-AA04-C5194DFCC830}" type="slidenum">
               <a:rPr lang="zh-CN" altLang="en-US" smtClean="0"/>
-              <a:pPr/>
-              <a:t>‹#›</a:t>
             </a:fld>
             <a:endParaRPr lang="zh-CN" altLang="en-US"/>
           </a:p>
@@ -2644,6 +2608,7 @@
               <a:rPr lang="zh-CN" altLang="en-US" smtClean="0"/>
               <a:t>单击此处编辑母版文本样式</a:t>
             </a:r>
+            <a:endParaRPr lang="zh-CN" altLang="en-US" smtClean="0"/>
           </a:p>
           <a:p>
             <a:pPr lvl="1"/>
@@ -2651,6 +2616,7 @@
               <a:rPr lang="zh-CN" altLang="en-US" smtClean="0"/>
               <a:t>第二级</a:t>
             </a:r>
+            <a:endParaRPr lang="zh-CN" altLang="en-US" smtClean="0"/>
           </a:p>
           <a:p>
             <a:pPr lvl="2"/>
@@ -2658,6 +2624,7 @@
               <a:rPr lang="zh-CN" altLang="en-US" smtClean="0"/>
               <a:t>第三级</a:t>
             </a:r>
+            <a:endParaRPr lang="zh-CN" altLang="en-US" smtClean="0"/>
           </a:p>
           <a:p>
             <a:pPr lvl="3"/>
@@ -2665,6 +2632,7 @@
               <a:rPr lang="zh-CN" altLang="en-US" smtClean="0"/>
               <a:t>第四级</a:t>
             </a:r>
+            <a:endParaRPr lang="zh-CN" altLang="en-US" smtClean="0"/>
           </a:p>
           <a:p>
             <a:pPr lvl="4"/>
@@ -2693,8 +2661,6 @@
           <a:p>
             <a:fld id="{33EF50FB-A872-4548-BE96-D55726568788}" type="datetimeFigureOut">
               <a:rPr lang="zh-CN" altLang="en-US" smtClean="0"/>
-              <a:pPr/>
-              <a:t>2019/8/6</a:t>
             </a:fld>
             <a:endParaRPr lang="zh-CN" altLang="en-US"/>
           </a:p>
@@ -2736,8 +2702,6 @@
           <a:p>
             <a:fld id="{FD2FABEE-F649-434F-AA04-C5194DFCC830}" type="slidenum">
               <a:rPr lang="zh-CN" altLang="en-US" smtClean="0"/>
-              <a:pPr/>
-              <a:t>‹#›</a:t>
             </a:fld>
             <a:endParaRPr lang="zh-CN" altLang="en-US"/>
           </a:p>
@@ -2811,6 +2775,7 @@
               <a:rPr lang="zh-CN" altLang="en-US" smtClean="0"/>
               <a:t>单击此处编辑母版文本样式</a:t>
             </a:r>
+            <a:endParaRPr lang="zh-CN" altLang="en-US" smtClean="0"/>
           </a:p>
           <a:p>
             <a:pPr lvl="1"/>
@@ -2818,6 +2783,7 @@
               <a:rPr lang="zh-CN" altLang="en-US" smtClean="0"/>
               <a:t>第二级</a:t>
             </a:r>
+            <a:endParaRPr lang="zh-CN" altLang="en-US" smtClean="0"/>
           </a:p>
           <a:p>
             <a:pPr lvl="2"/>
@@ -2825,6 +2791,7 @@
               <a:rPr lang="zh-CN" altLang="en-US" smtClean="0"/>
               <a:t>第三级</a:t>
             </a:r>
+            <a:endParaRPr lang="zh-CN" altLang="en-US" smtClean="0"/>
           </a:p>
           <a:p>
             <a:pPr lvl="3"/>
@@ -2832,6 +2799,7 @@
               <a:rPr lang="zh-CN" altLang="en-US" smtClean="0"/>
               <a:t>第四级</a:t>
             </a:r>
+            <a:endParaRPr lang="zh-CN" altLang="en-US" smtClean="0"/>
           </a:p>
           <a:p>
             <a:pPr lvl="4"/>
@@ -2860,8 +2828,6 @@
           <a:p>
             <a:fld id="{33EF50FB-A872-4548-BE96-D55726568788}" type="datetimeFigureOut">
               <a:rPr lang="zh-CN" altLang="en-US" smtClean="0"/>
-              <a:pPr/>
-              <a:t>2019/8/6</a:t>
             </a:fld>
             <a:endParaRPr lang="zh-CN" altLang="en-US"/>
           </a:p>
@@ -2903,8 +2869,6 @@
           <a:p>
             <a:fld id="{FD2FABEE-F649-434F-AA04-C5194DFCC830}" type="slidenum">
               <a:rPr lang="zh-CN" altLang="en-US" smtClean="0"/>
-              <a:pPr/>
-              <a:t>‹#›</a:t>
             </a:fld>
             <a:endParaRPr lang="zh-CN" altLang="en-US"/>
           </a:p>
@@ -3083,6 +3047,7 @@
               <a:rPr lang="zh-CN" altLang="en-US" smtClean="0"/>
               <a:t>单击此处编辑母版文本样式</a:t>
             </a:r>
+            <a:endParaRPr lang="zh-CN" altLang="en-US" smtClean="0"/>
           </a:p>
         </p:txBody>
       </p:sp>
@@ -3103,8 +3068,6 @@
           <a:p>
             <a:fld id="{33EF50FB-A872-4548-BE96-D55726568788}" type="datetimeFigureOut">
               <a:rPr lang="zh-CN" altLang="en-US" smtClean="0"/>
-              <a:pPr/>
-              <a:t>2019/8/6</a:t>
             </a:fld>
             <a:endParaRPr lang="zh-CN" altLang="en-US"/>
           </a:p>
@@ -3146,8 +3109,6 @@
           <a:p>
             <a:fld id="{FD2FABEE-F649-434F-AA04-C5194DFCC830}" type="slidenum">
               <a:rPr lang="zh-CN" altLang="en-US" smtClean="0"/>
-              <a:pPr/>
-              <a:t>‹#›</a:t>
             </a:fld>
             <a:endParaRPr lang="zh-CN" altLang="en-US"/>
           </a:p>
@@ -3254,6 +3215,7 @@
               <a:rPr lang="zh-CN" altLang="en-US" smtClean="0"/>
               <a:t>单击此处编辑母版文本样式</a:t>
             </a:r>
+            <a:endParaRPr lang="zh-CN" altLang="en-US" smtClean="0"/>
           </a:p>
           <a:p>
             <a:pPr lvl="1"/>
@@ -3261,6 +3223,7 @@
               <a:rPr lang="zh-CN" altLang="en-US" smtClean="0"/>
               <a:t>第二级</a:t>
             </a:r>
+            <a:endParaRPr lang="zh-CN" altLang="en-US" smtClean="0"/>
           </a:p>
           <a:p>
             <a:pPr lvl="2"/>
@@ -3268,6 +3231,7 @@
               <a:rPr lang="zh-CN" altLang="en-US" smtClean="0"/>
               <a:t>第三级</a:t>
             </a:r>
+            <a:endParaRPr lang="zh-CN" altLang="en-US" smtClean="0"/>
           </a:p>
           <a:p>
             <a:pPr lvl="3"/>
@@ -3275,6 +3239,7 @@
               <a:rPr lang="zh-CN" altLang="en-US" smtClean="0"/>
               <a:t>第四级</a:t>
             </a:r>
+            <a:endParaRPr lang="zh-CN" altLang="en-US" smtClean="0"/>
           </a:p>
           <a:p>
             <a:pPr lvl="4"/>
@@ -3339,6 +3304,7 @@
               <a:rPr lang="zh-CN" altLang="en-US" smtClean="0"/>
               <a:t>单击此处编辑母版文本样式</a:t>
             </a:r>
+            <a:endParaRPr lang="zh-CN" altLang="en-US" smtClean="0"/>
           </a:p>
           <a:p>
             <a:pPr lvl="1"/>
@@ -3346,6 +3312,7 @@
               <a:rPr lang="zh-CN" altLang="en-US" smtClean="0"/>
               <a:t>第二级</a:t>
             </a:r>
+            <a:endParaRPr lang="zh-CN" altLang="en-US" smtClean="0"/>
           </a:p>
           <a:p>
             <a:pPr lvl="2"/>
@@ -3353,6 +3320,7 @@
               <a:rPr lang="zh-CN" altLang="en-US" smtClean="0"/>
               <a:t>第三级</a:t>
             </a:r>
+            <a:endParaRPr lang="zh-CN" altLang="en-US" smtClean="0"/>
           </a:p>
           <a:p>
             <a:pPr lvl="3"/>
@@ -3360,6 +3328,7 @@
               <a:rPr lang="zh-CN" altLang="en-US" smtClean="0"/>
               <a:t>第四级</a:t>
             </a:r>
+            <a:endParaRPr lang="zh-CN" altLang="en-US" smtClean="0"/>
           </a:p>
           <a:p>
             <a:pPr lvl="4"/>
@@ -3388,8 +3357,6 @@
           <a:p>
             <a:fld id="{33EF50FB-A872-4548-BE96-D55726568788}" type="datetimeFigureOut">
               <a:rPr lang="zh-CN" altLang="en-US" smtClean="0"/>
-              <a:pPr/>
-              <a:t>2019/8/6</a:t>
             </a:fld>
             <a:endParaRPr lang="zh-CN" altLang="en-US"/>
           </a:p>
@@ -3431,8 +3398,6 @@
           <a:p>
             <a:fld id="{FD2FABEE-F649-434F-AA04-C5194DFCC830}" type="slidenum">
               <a:rPr lang="zh-CN" altLang="en-US" smtClean="0"/>
-              <a:pPr/>
-              <a:t>‹#›</a:t>
             </a:fld>
             <a:endParaRPr lang="zh-CN" altLang="en-US"/>
           </a:p>
@@ -3503,8 +3468,6 @@
           <a:p>
             <a:fld id="{33EF50FB-A872-4548-BE96-D55726568788}" type="datetimeFigureOut">
               <a:rPr lang="zh-CN" altLang="en-US" smtClean="0"/>
-              <a:pPr/>
-              <a:t>2019/8/6</a:t>
             </a:fld>
             <a:endParaRPr lang="zh-CN" altLang="en-US"/>
           </a:p>
@@ -3546,8 +3509,6 @@
           <a:p>
             <a:fld id="{FD2FABEE-F649-434F-AA04-C5194DFCC830}" type="slidenum">
               <a:rPr lang="zh-CN" altLang="en-US" smtClean="0"/>
-              <a:pPr/>
-              <a:t>‹#›</a:t>
             </a:fld>
             <a:endParaRPr lang="zh-CN" altLang="en-US"/>
           </a:p>
@@ -3702,6 +3663,19 @@
               </a:rPr>
               <a:t>www.1ppt.com/hangye/ </a:t>
             </a:r>
+            <a:endParaRPr kumimoji="0" lang="en-US" altLang="zh-CN" sz="100" b="0" i="0" u="none" strike="noStrike" kern="0" cap="none" spc="0" normalizeH="0" baseline="0" noProof="0" dirty="0" smtClean="0">
+              <a:ln>
+                <a:noFill/>
+              </a:ln>
+              <a:solidFill>
+                <a:schemeClr val="bg1">
+                  <a:lumMod val="85000"/>
+                </a:schemeClr>
+              </a:solidFill>
+              <a:effectLst/>
+              <a:uLnTx/>
+              <a:uFillTx/>
+            </a:endParaRPr>
           </a:p>
           <a:p>
             <a:pPr marL="0" marR="0" lvl="0" indent="0" defTabSz="914400" eaLnBrk="1" fontAlgn="auto" latinLnBrk="0" hangingPunct="1">
@@ -3816,6 +3790,19 @@
               </a:rPr>
               <a:t>www.1ppt.com/sucai/</a:t>
             </a:r>
+            <a:endParaRPr kumimoji="0" lang="en-US" altLang="zh-CN" sz="100" b="0" i="0" u="none" strike="noStrike" kern="0" cap="none" spc="0" normalizeH="0" baseline="0" noProof="0" dirty="0" smtClean="0">
+              <a:ln>
+                <a:noFill/>
+              </a:ln>
+              <a:solidFill>
+                <a:schemeClr val="bg1">
+                  <a:lumMod val="85000"/>
+                </a:schemeClr>
+              </a:solidFill>
+              <a:effectLst/>
+              <a:uLnTx/>
+              <a:uFillTx/>
+            </a:endParaRPr>
           </a:p>
           <a:p>
             <a:pPr marL="0" marR="0" lvl="0" indent="0" defTabSz="914400" eaLnBrk="1" fontAlgn="auto" latinLnBrk="0" hangingPunct="1">
@@ -3914,6 +3901,19 @@
               </a:rPr>
               <a:t>www.1ppt.com/tubiao/      </a:t>
             </a:r>
+            <a:endParaRPr kumimoji="0" lang="en-US" altLang="zh-CN" sz="100" b="0" i="0" u="none" strike="noStrike" kern="0" cap="none" spc="0" normalizeH="0" baseline="0" noProof="0" dirty="0" smtClean="0">
+              <a:ln>
+                <a:noFill/>
+              </a:ln>
+              <a:solidFill>
+                <a:schemeClr val="bg1">
+                  <a:lumMod val="85000"/>
+                </a:schemeClr>
+              </a:solidFill>
+              <a:effectLst/>
+              <a:uLnTx/>
+              <a:uFillTx/>
+            </a:endParaRPr>
           </a:p>
           <a:p>
             <a:pPr marL="0" marR="0" lvl="0" indent="0" defTabSz="914400" eaLnBrk="1" fontAlgn="auto" latinLnBrk="0" hangingPunct="1">
@@ -4028,6 +4028,19 @@
               </a:rPr>
               <a:t>www.1ppt.com/powerpoint/      </a:t>
             </a:r>
+            <a:endParaRPr kumimoji="0" lang="en-US" altLang="zh-CN" sz="100" b="0" i="0" u="none" strike="noStrike" kern="0" cap="none" spc="0" normalizeH="0" baseline="0" noProof="0" dirty="0" smtClean="0">
+              <a:ln>
+                <a:noFill/>
+              </a:ln>
+              <a:solidFill>
+                <a:schemeClr val="bg1">
+                  <a:lumMod val="85000"/>
+                </a:schemeClr>
+              </a:solidFill>
+              <a:effectLst/>
+              <a:uLnTx/>
+              <a:uFillTx/>
+            </a:endParaRPr>
           </a:p>
           <a:p>
             <a:pPr marL="0" marR="0" lvl="0" indent="0" defTabSz="914400" eaLnBrk="1" fontAlgn="auto" latinLnBrk="0" hangingPunct="1">
@@ -4126,6 +4139,19 @@
               </a:rPr>
               <a:t>www.1ppt.com/excel/  </a:t>
             </a:r>
+            <a:endParaRPr kumimoji="0" lang="en-US" altLang="zh-CN" sz="100" b="0" i="0" u="none" strike="noStrike" kern="0" cap="none" spc="0" normalizeH="0" baseline="0" noProof="0" dirty="0" smtClean="0">
+              <a:ln>
+                <a:noFill/>
+              </a:ln>
+              <a:solidFill>
+                <a:schemeClr val="bg1">
+                  <a:lumMod val="85000"/>
+                </a:schemeClr>
+              </a:solidFill>
+              <a:effectLst/>
+              <a:uLnTx/>
+              <a:uFillTx/>
+            </a:endParaRPr>
           </a:p>
           <a:p>
             <a:pPr marL="0" marR="0" lvl="0" indent="0" defTabSz="914400" eaLnBrk="1" fontAlgn="auto" latinLnBrk="0" hangingPunct="1">
@@ -4208,6 +4234,19 @@
               </a:rPr>
               <a:t>www.1ppt.com/kejian/ </a:t>
             </a:r>
+            <a:endParaRPr kumimoji="0" lang="en-US" altLang="zh-CN" sz="100" b="0" i="0" u="none" strike="noStrike" kern="0" cap="none" spc="0" normalizeH="0" baseline="0" noProof="0" dirty="0" smtClean="0">
+              <a:ln>
+                <a:noFill/>
+              </a:ln>
+              <a:solidFill>
+                <a:schemeClr val="bg1">
+                  <a:lumMod val="85000"/>
+                </a:schemeClr>
+              </a:solidFill>
+              <a:effectLst/>
+              <a:uLnTx/>
+              <a:uFillTx/>
+            </a:endParaRPr>
           </a:p>
           <a:p>
             <a:pPr marL="0" marR="0" lvl="0" indent="0" defTabSz="914400" eaLnBrk="1" fontAlgn="auto" latinLnBrk="0" hangingPunct="1">
@@ -4290,6 +4329,19 @@
               </a:rPr>
               <a:t>www.1ppt.com/shiti/  </a:t>
             </a:r>
+            <a:endParaRPr kumimoji="0" lang="en-US" altLang="zh-CN" sz="100" b="0" i="0" u="none" strike="noStrike" kern="0" cap="none" spc="0" normalizeH="0" baseline="0" noProof="0" dirty="0" smtClean="0">
+              <a:ln>
+                <a:noFill/>
+              </a:ln>
+              <a:solidFill>
+                <a:schemeClr val="bg1">
+                  <a:lumMod val="85000"/>
+                </a:schemeClr>
+              </a:solidFill>
+              <a:effectLst/>
+              <a:uLnTx/>
+              <a:uFillTx/>
+            </a:endParaRPr>
           </a:p>
           <a:p>
             <a:pPr marL="0" marR="0" lvl="0" indent="0" defTabSz="914400" eaLnBrk="1" fontAlgn="auto" latinLnBrk="0" hangingPunct="1">
@@ -4340,6 +4392,19 @@
               </a:rPr>
               <a:t>www.1ppt.com/jiaoan/        </a:t>
             </a:r>
+            <a:endParaRPr kumimoji="0" lang="en-US" altLang="zh-CN" sz="100" b="0" i="0" u="none" strike="noStrike" kern="0" cap="none" spc="0" normalizeH="0" baseline="0" noProof="0" dirty="0" smtClean="0">
+              <a:ln>
+                <a:noFill/>
+              </a:ln>
+              <a:solidFill>
+                <a:schemeClr val="bg1">
+                  <a:lumMod val="85000"/>
+                </a:schemeClr>
+              </a:solidFill>
+              <a:effectLst/>
+              <a:uLnTx/>
+              <a:uFillTx/>
+            </a:endParaRPr>
           </a:p>
           <a:p>
             <a:pPr marL="0" marR="0" lvl="0" indent="0" defTabSz="914400" eaLnBrk="1" fontAlgn="auto" latinLnBrk="0" hangingPunct="1">
@@ -4390,6 +4455,19 @@
               </a:rPr>
               <a:t>www.1ppt.com/ziti/</a:t>
             </a:r>
+            <a:endParaRPr kumimoji="0" lang="en-US" altLang="zh-CN" sz="100" b="0" i="0" u="none" strike="noStrike" kern="0" cap="none" spc="0" normalizeH="0" baseline="0" noProof="0" dirty="0" smtClean="0">
+              <a:ln>
+                <a:noFill/>
+              </a:ln>
+              <a:solidFill>
+                <a:schemeClr val="bg1">
+                  <a:lumMod val="85000"/>
+                </a:schemeClr>
+              </a:solidFill>
+              <a:effectLst/>
+              <a:uLnTx/>
+              <a:uFillTx/>
+            </a:endParaRPr>
           </a:p>
           <a:p>
             <a:pPr marL="0" marR="0" lvl="0" indent="0" defTabSz="914400" eaLnBrk="1" fontAlgn="auto" latinLnBrk="0" hangingPunct="1">
@@ -4559,6 +4637,7 @@
               <a:rPr lang="zh-CN" altLang="en-US" smtClean="0"/>
               <a:t>单击此处编辑母版文本样式</a:t>
             </a:r>
+            <a:endParaRPr lang="zh-CN" altLang="en-US" smtClean="0"/>
           </a:p>
         </p:txBody>
       </p:sp>
@@ -4615,6 +4694,7 @@
               <a:rPr lang="zh-CN" altLang="en-US" smtClean="0"/>
               <a:t>单击此处编辑母版文本样式</a:t>
             </a:r>
+            <a:endParaRPr lang="zh-CN" altLang="en-US" smtClean="0"/>
           </a:p>
           <a:p>
             <a:pPr lvl="1"/>
@@ -4622,6 +4702,7 @@
               <a:rPr lang="zh-CN" altLang="en-US" smtClean="0"/>
               <a:t>第二级</a:t>
             </a:r>
+            <a:endParaRPr lang="zh-CN" altLang="en-US" smtClean="0"/>
           </a:p>
           <a:p>
             <a:pPr lvl="2"/>
@@ -4629,6 +4710,7 @@
               <a:rPr lang="zh-CN" altLang="en-US" smtClean="0"/>
               <a:t>第三级</a:t>
             </a:r>
+            <a:endParaRPr lang="zh-CN" altLang="en-US" smtClean="0"/>
           </a:p>
           <a:p>
             <a:pPr lvl="3"/>
@@ -4636,6 +4718,7 @@
               <a:rPr lang="zh-CN" altLang="en-US" smtClean="0"/>
               <a:t>第四级</a:t>
             </a:r>
+            <a:endParaRPr lang="zh-CN" altLang="en-US" smtClean="0"/>
           </a:p>
           <a:p>
             <a:pPr lvl="4"/>
@@ -4709,6 +4792,7 @@
               <a:rPr lang="zh-CN" altLang="en-US" smtClean="0"/>
               <a:t>单击此处编辑母版文本样式</a:t>
             </a:r>
+            <a:endParaRPr lang="zh-CN" altLang="en-US" smtClean="0"/>
           </a:p>
         </p:txBody>
       </p:sp>
@@ -4765,6 +4849,7 @@
               <a:rPr lang="zh-CN" altLang="en-US" smtClean="0"/>
               <a:t>单击此处编辑母版文本样式</a:t>
             </a:r>
+            <a:endParaRPr lang="zh-CN" altLang="en-US" smtClean="0"/>
           </a:p>
           <a:p>
             <a:pPr lvl="1"/>
@@ -4772,6 +4857,7 @@
               <a:rPr lang="zh-CN" altLang="en-US" smtClean="0"/>
               <a:t>第二级</a:t>
             </a:r>
+            <a:endParaRPr lang="zh-CN" altLang="en-US" smtClean="0"/>
           </a:p>
           <a:p>
             <a:pPr lvl="2"/>
@@ -4779,6 +4865,7 @@
               <a:rPr lang="zh-CN" altLang="en-US" smtClean="0"/>
               <a:t>第三级</a:t>
             </a:r>
+            <a:endParaRPr lang="zh-CN" altLang="en-US" smtClean="0"/>
           </a:p>
           <a:p>
             <a:pPr lvl="3"/>
@@ -4786,6 +4873,7 @@
               <a:rPr lang="zh-CN" altLang="en-US" smtClean="0"/>
               <a:t>第四级</a:t>
             </a:r>
+            <a:endParaRPr lang="zh-CN" altLang="en-US" smtClean="0"/>
           </a:p>
           <a:p>
             <a:pPr lvl="4"/>
@@ -4814,8 +4902,6 @@
           <a:p>
             <a:fld id="{33EF50FB-A872-4548-BE96-D55726568788}" type="datetimeFigureOut">
               <a:rPr lang="zh-CN" altLang="en-US" smtClean="0"/>
-              <a:pPr/>
-              <a:t>2019/8/6</a:t>
             </a:fld>
             <a:endParaRPr lang="zh-CN" altLang="en-US"/>
           </a:p>
@@ -4857,8 +4943,6 @@
           <a:p>
             <a:fld id="{FD2FABEE-F649-434F-AA04-C5194DFCC830}" type="slidenum">
               <a:rPr lang="zh-CN" altLang="en-US" smtClean="0"/>
-              <a:pPr/>
-              <a:t>‹#›</a:t>
             </a:fld>
             <a:endParaRPr lang="zh-CN" altLang="en-US"/>
           </a:p>
@@ -4929,8 +5013,6 @@
           <a:p>
             <a:fld id="{33EF50FB-A872-4548-BE96-D55726568788}" type="datetimeFigureOut">
               <a:rPr lang="zh-CN" altLang="en-US" smtClean="0"/>
-              <a:pPr/>
-              <a:t>2019/8/6</a:t>
             </a:fld>
             <a:endParaRPr lang="zh-CN" altLang="en-US"/>
           </a:p>
@@ -4972,8 +5054,6 @@
           <a:p>
             <a:fld id="{FD2FABEE-F649-434F-AA04-C5194DFCC830}" type="slidenum">
               <a:rPr lang="zh-CN" altLang="en-US" smtClean="0"/>
-              <a:pPr/>
-              <a:t>‹#›</a:t>
             </a:fld>
             <a:endParaRPr lang="zh-CN" altLang="en-US"/>
           </a:p>
@@ -5021,8 +5101,6 @@
           <a:p>
             <a:fld id="{33EF50FB-A872-4548-BE96-D55726568788}" type="datetimeFigureOut">
               <a:rPr lang="zh-CN" altLang="en-US" smtClean="0"/>
-              <a:pPr/>
-              <a:t>2019/8/6</a:t>
             </a:fld>
             <a:endParaRPr lang="zh-CN" altLang="en-US"/>
           </a:p>
@@ -5064,8 +5142,6 @@
           <a:p>
             <a:fld id="{FD2FABEE-F649-434F-AA04-C5194DFCC830}" type="slidenum">
               <a:rPr lang="zh-CN" altLang="en-US" smtClean="0"/>
-              <a:pPr/>
-              <a:t>‹#›</a:t>
             </a:fld>
             <a:endParaRPr lang="zh-CN" altLang="en-US"/>
           </a:p>
@@ -5181,6 +5257,7 @@
               <a:rPr lang="zh-CN" altLang="en-US" smtClean="0"/>
               <a:t>单击此处编辑母版文本样式</a:t>
             </a:r>
+            <a:endParaRPr lang="zh-CN" altLang="en-US" smtClean="0"/>
           </a:p>
           <a:p>
             <a:pPr lvl="1"/>
@@ -5188,6 +5265,7 @@
               <a:rPr lang="zh-CN" altLang="en-US" smtClean="0"/>
               <a:t>第二级</a:t>
             </a:r>
+            <a:endParaRPr lang="zh-CN" altLang="en-US" smtClean="0"/>
           </a:p>
           <a:p>
             <a:pPr lvl="2"/>
@@ -5195,6 +5273,7 @@
               <a:rPr lang="zh-CN" altLang="en-US" smtClean="0"/>
               <a:t>第三级</a:t>
             </a:r>
+            <a:endParaRPr lang="zh-CN" altLang="en-US" smtClean="0"/>
           </a:p>
           <a:p>
             <a:pPr lvl="3"/>
@@ -5202,6 +5281,7 @@
               <a:rPr lang="zh-CN" altLang="en-US" smtClean="0"/>
               <a:t>第四级</a:t>
             </a:r>
+            <a:endParaRPr lang="zh-CN" altLang="en-US" smtClean="0"/>
           </a:p>
           <a:p>
             <a:pPr lvl="4"/>
@@ -5275,6 +5355,7 @@
               <a:rPr lang="zh-CN" altLang="en-US" smtClean="0"/>
               <a:t>单击此处编辑母版文本样式</a:t>
             </a:r>
+            <a:endParaRPr lang="zh-CN" altLang="en-US" smtClean="0"/>
           </a:p>
         </p:txBody>
       </p:sp>
@@ -5295,8 +5376,6 @@
           <a:p>
             <a:fld id="{33EF50FB-A872-4548-BE96-D55726568788}" type="datetimeFigureOut">
               <a:rPr lang="zh-CN" altLang="en-US" smtClean="0"/>
-              <a:pPr/>
-              <a:t>2019/8/6</a:t>
             </a:fld>
             <a:endParaRPr lang="zh-CN" altLang="en-US"/>
           </a:p>
@@ -5338,8 +5417,6 @@
           <a:p>
             <a:fld id="{FD2FABEE-F649-434F-AA04-C5194DFCC830}" type="slidenum">
               <a:rPr lang="zh-CN" altLang="en-US" smtClean="0"/>
-              <a:pPr/>
-              <a:t>‹#›</a:t>
             </a:fld>
             <a:endParaRPr lang="zh-CN" altLang="en-US"/>
           </a:p>
@@ -5359,12 +5436,12 @@
     <p:bg>
       <p:bgPr>
         <a:blipFill dpi="0" rotWithShape="1">
-          <a:blip r:embed="rId14" cstate="screen">
+          <a:blip r:embed="rId13" cstate="screen">
             <a:lum/>
             <a:extLst>
               <a:ext uri="{BEBA8EAE-BF5A-486C-A8C5-ECC9F3942E4B}">
-                <a14:imgProps xmlns:a14="http://schemas.microsoft.com/office/drawing/2010/main" xmlns="">
-                  <a14:imgLayer r:embed="rId15">
+                <a14:imgProps xmlns:a14="http://schemas.microsoft.com/office/drawing/2010/main">
+                  <a14:imgLayer r:embed="rId14">
                     <a14:imgEffect>
                       <a14:brightnessContrast bright="12000"/>
                     </a14:imgEffect>
@@ -5458,6 +5535,7 @@
               <a:rPr lang="zh-CN" altLang="en-US" smtClean="0"/>
               <a:t>单击此处编辑母版文本样式</a:t>
             </a:r>
+            <a:endParaRPr lang="zh-CN" altLang="en-US" smtClean="0"/>
           </a:p>
           <a:p>
             <a:pPr lvl="1"/>
@@ -5465,6 +5543,7 @@
               <a:rPr lang="zh-CN" altLang="en-US" smtClean="0"/>
               <a:t>第二级</a:t>
             </a:r>
+            <a:endParaRPr lang="zh-CN" altLang="en-US" smtClean="0"/>
           </a:p>
           <a:p>
             <a:pPr lvl="2"/>
@@ -5472,6 +5551,7 @@
               <a:rPr lang="zh-CN" altLang="en-US" smtClean="0"/>
               <a:t>第三级</a:t>
             </a:r>
+            <a:endParaRPr lang="zh-CN" altLang="en-US" smtClean="0"/>
           </a:p>
           <a:p>
             <a:pPr lvl="3"/>
@@ -5479,6 +5559,7 @@
               <a:rPr lang="zh-CN" altLang="en-US" smtClean="0"/>
               <a:t>第四级</a:t>
             </a:r>
+            <a:endParaRPr lang="zh-CN" altLang="en-US" smtClean="0"/>
           </a:p>
           <a:p>
             <a:pPr lvl="4"/>
@@ -5525,8 +5606,6 @@
           <a:p>
             <a:fld id="{33EF50FB-A872-4548-BE96-D55726568788}" type="datetimeFigureOut">
               <a:rPr lang="zh-CN" altLang="en-US" smtClean="0"/>
-              <a:pPr/>
-              <a:t>2019/8/6</a:t>
             </a:fld>
             <a:endParaRPr lang="zh-CN" altLang="en-US"/>
           </a:p>
@@ -5604,8 +5683,6 @@
           <a:p>
             <a:fld id="{FD2FABEE-F649-434F-AA04-C5194DFCC830}" type="slidenum">
               <a:rPr lang="zh-CN" altLang="en-US" smtClean="0"/>
-              <a:pPr/>
-              <a:t>‹#›</a:t>
             </a:fld>
             <a:endParaRPr lang="zh-CN" altLang="en-US"/>
           </a:p>
@@ -5620,7 +5697,7 @@
           <p:nvPr userDrawn="1"/>
         </p:nvPicPr>
         <p:blipFill>
-          <a:blip r:embed="rId16"/>
+          <a:blip r:embed="rId15"/>
           <a:stretch>
             <a:fillRect/>
           </a:stretch>
@@ -6414,7 +6491,7 @@
             </a:ln>
             <a:extLst>
               <a:ext uri="{91240B29-F687-4F45-9708-019B960494DF}">
-                <a14:hiddenLine xmlns:a14="http://schemas.microsoft.com/office/drawing/2010/main" xmlns="" w="9525">
+                <a14:hiddenLine xmlns:a14="http://schemas.microsoft.com/office/drawing/2010/main" w="9525">
                   <a:solidFill>
                     <a:srgbClr val="000000"/>
                   </a:solidFill>
@@ -6538,7 +6615,7 @@
             </a:ln>
             <a:extLst>
               <a:ext uri="{91240B29-F687-4F45-9708-019B960494DF}">
-                <a14:hiddenLine xmlns:a14="http://schemas.microsoft.com/office/drawing/2010/main" xmlns="" w="9525">
+                <a14:hiddenLine xmlns:a14="http://schemas.microsoft.com/office/drawing/2010/main" w="9525">
                   <a:solidFill>
                     <a:srgbClr val="000000"/>
                   </a:solidFill>
@@ -6706,7 +6783,7 @@
             </a:ln>
             <a:extLst>
               <a:ext uri="{91240B29-F687-4F45-9708-019B960494DF}">
-                <a14:hiddenLine xmlns:a14="http://schemas.microsoft.com/office/drawing/2010/main" xmlns="" w="9525">
+                <a14:hiddenLine xmlns:a14="http://schemas.microsoft.com/office/drawing/2010/main" w="9525">
                   <a:solidFill>
                     <a:srgbClr val="000000"/>
                   </a:solidFill>
@@ -6779,7 +6856,7 @@
             </a:ln>
             <a:extLst>
               <a:ext uri="{91240B29-F687-4F45-9708-019B960494DF}">
-                <a14:hiddenLine xmlns:a14="http://schemas.microsoft.com/office/drawing/2010/main" xmlns="" w="9525">
+                <a14:hiddenLine xmlns:a14="http://schemas.microsoft.com/office/drawing/2010/main" w="9525">
                   <a:solidFill>
                     <a:srgbClr val="000000"/>
                   </a:solidFill>
@@ -7409,7 +7486,7 @@
             </a:ln>
             <a:extLst>
               <a:ext uri="{91240B29-F687-4F45-9708-019B960494DF}">
-                <a14:hiddenLine xmlns:a14="http://schemas.microsoft.com/office/drawing/2010/main" xmlns="" w="9525">
+                <a14:hiddenLine xmlns:a14="http://schemas.microsoft.com/office/drawing/2010/main" w="9525">
                   <a:solidFill>
                     <a:srgbClr val="000000"/>
                   </a:solidFill>
@@ -7499,6 +7576,14 @@
               </a:rPr>
               <a:t>深蓝软件</a:t>
             </a:r>
+            <a:endParaRPr lang="zh-CN" altLang="en-US" sz="3200" b="1" dirty="0">
+              <a:solidFill>
+                <a:srgbClr val="0070C0"/>
+              </a:solidFill>
+              <a:latin typeface="微软雅黑" panose="020B0503020204020204" pitchFamily="34" charset="-122"/>
+              <a:ea typeface="微软雅黑" panose="020B0503020204020204" pitchFamily="34" charset="-122"/>
+              <a:sym typeface="+mn-ea"/>
+            </a:endParaRPr>
           </a:p>
         </p:txBody>
       </p:sp>
@@ -7702,14 +7787,14 @@
           <a:effectLst/>
           <a:extLst>
             <a:ext uri="{909E8E84-426E-40DD-AFC4-6F175D3DCCD1}">
-              <a14:hiddenFill xmlns:a14="http://schemas.microsoft.com/office/drawing/2010/main" xmlns="">
+              <a14:hiddenFill xmlns:a14="http://schemas.microsoft.com/office/drawing/2010/main">
                 <a:solidFill>
                   <a:srgbClr val="FFFFFF"/>
                 </a:solidFill>
               </a14:hiddenFill>
             </a:ext>
             <a:ext uri="{91240B29-F687-4F45-9708-019B960494DF}">
-              <a14:hiddenLine xmlns:a14="http://schemas.microsoft.com/office/drawing/2010/main" xmlns="" w="9525">
+              <a14:hiddenLine xmlns:a14="http://schemas.microsoft.com/office/drawing/2010/main" w="9525">
                 <a:solidFill>
                   <a:srgbClr val="000000"/>
                 </a:solidFill>
@@ -9002,7 +9087,7 @@
           <p:nvPr/>
         </p:nvPicPr>
         <p:blipFill>
-          <a:blip r:embed="rId3" cstate="screen"/>
+          <a:blip r:embed="rId1" cstate="screen"/>
           <a:stretch>
             <a:fillRect/>
           </a:stretch>
@@ -9101,7 +9186,7 @@
     <a:masterClrMapping/>
   </p:clrMapOvr>
   <mc:AlternateContent xmlns:mc="http://schemas.openxmlformats.org/markup-compatibility/2006">
-    <mc:Choice xmlns:p14="http://schemas.microsoft.com/office/powerpoint/2010/main" xmlns="" Requires="p14">
+    <mc:Choice xmlns:p14="http://schemas.microsoft.com/office/powerpoint/2010/main" Requires="p14">
       <p:transition spd="slow" p14:dur="1100">
         <p14:switch dir="r"/>
       </p:transition>
@@ -10486,6 +10571,13 @@
               </a:rPr>
               <a:t>移动端开发</a:t>
             </a:r>
+            <a:endParaRPr lang="zh-CN" altLang="en-US" b="1" dirty="0" smtClean="0">
+              <a:solidFill>
+                <a:srgbClr val="0070C0"/>
+              </a:solidFill>
+              <a:latin typeface="Impact MT Std" pitchFamily="34" charset="0"/>
+              <a:ea typeface="微软雅黑" panose="020B0503020204020204" pitchFamily="34" charset="-122"/>
+            </a:endParaRPr>
           </a:p>
         </p:txBody>
       </p:sp>
@@ -11255,6 +11347,11 @@
               </a:rPr>
               <a:t>vw</a:t>
             </a:r>
+            <a:endParaRPr lang="zh-CN" altLang="en-US" sz="1600">
+              <a:solidFill>
+                <a:schemeClr val="tx1"/>
+              </a:solidFill>
+            </a:endParaRPr>
           </a:p>
           <a:p>
             <a:r>
@@ -11265,6 +11362,11 @@
               </a:rPr>
               <a:t>viewpoint width，视窗宽度，1vw等于视窗宽度的1%</a:t>
             </a:r>
+            <a:endParaRPr lang="zh-CN" altLang="en-US" sz="1600">
+              <a:solidFill>
+                <a:schemeClr val="tx1"/>
+              </a:solidFill>
+            </a:endParaRPr>
           </a:p>
           <a:p>
             <a:endParaRPr lang="zh-CN" altLang="en-US" sz="1600">
@@ -11282,6 +11384,11 @@
               </a:rPr>
               <a:t>vh</a:t>
             </a:r>
+            <a:endParaRPr lang="zh-CN" altLang="en-US" sz="1600">
+              <a:solidFill>
+                <a:schemeClr val="tx1"/>
+              </a:solidFill>
+            </a:endParaRPr>
           </a:p>
           <a:p>
             <a:r>
@@ -11292,6 +11399,11 @@
               </a:rPr>
               <a:t>viewpoint height，视窗高度，1vh等于视窗高度的1%。</a:t>
             </a:r>
+            <a:endParaRPr lang="zh-CN" altLang="en-US" sz="1600">
+              <a:solidFill>
+                <a:schemeClr val="tx1"/>
+              </a:solidFill>
+            </a:endParaRPr>
           </a:p>
           <a:p>
             <a:endParaRPr lang="zh-CN" altLang="en-US" sz="1600">
@@ -11309,6 +11421,11 @@
               </a:rPr>
               <a:t>vmin：取vw和vh中较小的那个。</a:t>
             </a:r>
+            <a:endParaRPr lang="zh-CN" altLang="en-US" sz="1600">
+              <a:solidFill>
+                <a:schemeClr val="tx1"/>
+              </a:solidFill>
+            </a:endParaRPr>
           </a:p>
           <a:p>
             <a:endParaRPr lang="zh-CN" altLang="en-US" sz="1600">
@@ -11326,6 +11443,11 @@
               </a:rPr>
               <a:t>vmax：取vw和vh中较大的那个。</a:t>
             </a:r>
+            <a:endParaRPr lang="zh-CN" altLang="en-US" sz="1600">
+              <a:solidFill>
+                <a:schemeClr val="tx1"/>
+              </a:solidFill>
+            </a:endParaRPr>
           </a:p>
           <a:p>
             <a:r>
@@ -11336,6 +11458,11 @@
               </a:rPr>
               <a:t>使用vw/vh/vmin/vmax，需设置meta缩放比1:1</a:t>
             </a:r>
+            <a:endParaRPr lang="zh-CN" altLang="en-US" sz="1600">
+              <a:solidFill>
+                <a:schemeClr val="tx1"/>
+              </a:solidFill>
+            </a:endParaRPr>
           </a:p>
         </p:txBody>
       </p:sp>
@@ -11345,7 +11472,7 @@
     <a:masterClrMapping/>
   </p:clrMapOvr>
   <mc:AlternateContent xmlns:mc="http://schemas.openxmlformats.org/markup-compatibility/2006">
-    <mc:Choice xmlns:p14="http://schemas.microsoft.com/office/powerpoint/2010/main" xmlns="" Requires="p14">
+    <mc:Choice xmlns:p14="http://schemas.microsoft.com/office/powerpoint/2010/main" Requires="p14">
       <p:transition spd="slow" p14:dur="1100">
         <p14:switch dir="r"/>
       </p:transition>
@@ -12282,6 +12409,13 @@
               </a:rPr>
               <a:t>媒体查询</a:t>
             </a:r>
+            <a:endParaRPr lang="zh-CN" altLang="en-US" b="1" dirty="0" smtClean="0">
+              <a:solidFill>
+                <a:srgbClr val="0070C0"/>
+              </a:solidFill>
+              <a:latin typeface="Impact MT Std" pitchFamily="34" charset="0"/>
+              <a:ea typeface="微软雅黑" panose="020B0503020204020204" pitchFamily="34" charset="-122"/>
+            </a:endParaRPr>
           </a:p>
         </p:txBody>
       </p:sp>
@@ -13786,6 +13920,7 @@
               <a:rPr lang="zh-CN" altLang="en-US"/>
               <a:t>&lt;link rel="stylesheet" href="wide.css" media="screen and (min-width:1024px)" /&gt;ps:大于等于</a:t>
             </a:r>
+            <a:endParaRPr lang="zh-CN" altLang="en-US"/>
           </a:p>
           <a:p>
             <a:endParaRPr lang="zh-CN" altLang="en-US"/>
@@ -13795,6 +13930,7 @@
               <a:rPr lang="zh-CN" altLang="en-US"/>
               <a:t>&lt;link rel="stylesheet" href="mobile.css" media="screen and (max-width:320px)" /&gt;ps:小于等于</a:t>
             </a:r>
+            <a:endParaRPr lang="zh-CN" altLang="en-US"/>
           </a:p>
         </p:txBody>
       </p:sp>
@@ -13804,7 +13940,7 @@
     <a:masterClrMapping/>
   </p:clrMapOvr>
   <mc:AlternateContent xmlns:mc="http://schemas.openxmlformats.org/markup-compatibility/2006">
-    <mc:Choice xmlns:p14="http://schemas.microsoft.com/office/powerpoint/2010/main" xmlns="" Requires="p14">
+    <mc:Choice xmlns:p14="http://schemas.microsoft.com/office/powerpoint/2010/main" Requires="p14">
       <p:transition spd="slow" p14:dur="1100">
         <p14:switch dir="r"/>
       </p:transition>
@@ -14832,6 +14968,13 @@
               </a:rPr>
               <a:t>媒体查询</a:t>
             </a:r>
+            <a:endParaRPr lang="zh-CN" altLang="en-US" b="1" dirty="0" smtClean="0">
+              <a:solidFill>
+                <a:srgbClr val="0070C0"/>
+              </a:solidFill>
+              <a:latin typeface="Impact MT Std" pitchFamily="34" charset="0"/>
+              <a:ea typeface="微软雅黑" panose="020B0503020204020204" pitchFamily="34" charset="-122"/>
+            </a:endParaRPr>
           </a:p>
         </p:txBody>
       </p:sp>
@@ -16333,24 +16476,28 @@
               <a:rPr lang="zh-CN" altLang="en-US"/>
               <a:t>&lt;style&gt;</a:t>
             </a:r>
+            <a:endParaRPr lang="zh-CN" altLang="en-US"/>
           </a:p>
           <a:p>
             <a:r>
               <a:rPr lang="zh-CN" altLang="en-US"/>
               <a:t>    @media all(screen) and (min-width:500px) { … }</a:t>
             </a:r>
+            <a:endParaRPr lang="zh-CN" altLang="en-US"/>
           </a:p>
           <a:p>
             <a:r>
               <a:rPr lang="zh-CN" altLang="en-US"/>
               <a:t>    </a:t>
             </a:r>
+            <a:endParaRPr lang="zh-CN" altLang="en-US"/>
           </a:p>
           <a:p>
             <a:r>
               <a:rPr lang="zh-CN" altLang="en-US"/>
               <a:t>&lt;/style&gt;</a:t>
             </a:r>
+            <a:endParaRPr lang="zh-CN" altLang="en-US"/>
           </a:p>
         </p:txBody>
       </p:sp>
@@ -16360,7 +16507,7 @@
     <a:masterClrMapping/>
   </p:clrMapOvr>
   <mc:AlternateContent xmlns:mc="http://schemas.openxmlformats.org/markup-compatibility/2006">
-    <mc:Choice xmlns:p14="http://schemas.microsoft.com/office/powerpoint/2010/main" xmlns="" Requires="p14">
+    <mc:Choice xmlns:p14="http://schemas.microsoft.com/office/powerpoint/2010/main" Requires="p14">
       <p:transition spd="slow" p14:dur="1100">
         <p14:switch dir="r"/>
       </p:transition>
@@ -17388,6 +17535,13 @@
               </a:rPr>
               <a:t>媒体查询</a:t>
             </a:r>
+            <a:endParaRPr lang="zh-CN" altLang="en-US" b="1" dirty="0" smtClean="0">
+              <a:solidFill>
+                <a:srgbClr val="0070C0"/>
+              </a:solidFill>
+              <a:latin typeface="Impact MT Std" pitchFamily="34" charset="0"/>
+              <a:ea typeface="微软雅黑" panose="020B0503020204020204" pitchFamily="34" charset="-122"/>
+            </a:endParaRPr>
           </a:p>
         </p:txBody>
       </p:sp>
@@ -18898,6 +19052,12 @@
               </a:rPr>
               <a:t>媒体介质类型</a:t>
             </a:r>
+            <a:endParaRPr>
+              <a:solidFill>
+                <a:srgbClr val="FF0000"/>
+              </a:solidFill>
+              <a:sym typeface="+mn-ea"/>
+            </a:endParaRPr>
           </a:p>
           <a:p>
             <a:endParaRPr>
@@ -18917,6 +19077,12 @@
               </a:rPr>
               <a:t>all 所有设备</a:t>
             </a:r>
+            <a:endParaRPr>
+              <a:solidFill>
+                <a:schemeClr val="tx1"/>
+              </a:solidFill>
+              <a:sym typeface="+mn-ea"/>
+            </a:endParaRPr>
           </a:p>
           <a:p>
             <a:r>
@@ -18954,6 +19120,12 @@
               </a:rPr>
               <a:t>print 打印用纸或打印预览视图</a:t>
             </a:r>
+            <a:endParaRPr>
+              <a:solidFill>
+                <a:schemeClr val="tx1"/>
+              </a:solidFill>
+              <a:sym typeface="+mn-ea"/>
+            </a:endParaRPr>
           </a:p>
           <a:p>
             <a:endParaRPr>
@@ -18973,6 +19145,12 @@
               </a:rPr>
               <a:t>一个 Media Query 包含一种媒体类型，如果媒体类型没有指定，那么就是默认类型all</a:t>
             </a:r>
+            <a:endParaRPr>
+              <a:solidFill>
+                <a:schemeClr val="tx1"/>
+              </a:solidFill>
+              <a:sym typeface="+mn-ea"/>
+            </a:endParaRPr>
           </a:p>
           <a:p>
             <a:endParaRPr>
@@ -18992,6 +19170,12 @@
               </a:rPr>
               <a:t>@media (max-width: 600px){...}</a:t>
             </a:r>
+            <a:endParaRPr>
+              <a:solidFill>
+                <a:schemeClr val="tx1"/>
+              </a:solidFill>
+              <a:sym typeface="+mn-ea"/>
+            </a:endParaRPr>
           </a:p>
         </p:txBody>
       </p:sp>
@@ -19001,7 +19185,7 @@
     <a:masterClrMapping/>
   </p:clrMapOvr>
   <mc:AlternateContent xmlns:mc="http://schemas.openxmlformats.org/markup-compatibility/2006">
-    <mc:Choice xmlns:p14="http://schemas.microsoft.com/office/powerpoint/2010/main" xmlns="" Requires="p14">
+    <mc:Choice xmlns:p14="http://schemas.microsoft.com/office/powerpoint/2010/main" Requires="p14">
       <p:transition spd="slow" p14:dur="1100">
         <p14:switch dir="r"/>
       </p:transition>
@@ -20029,6 +20213,13 @@
               </a:rPr>
               <a:t>媒体查询</a:t>
             </a:r>
+            <a:endParaRPr lang="zh-CN" altLang="en-US" b="1" dirty="0" smtClean="0">
+              <a:solidFill>
+                <a:srgbClr val="0070C0"/>
+              </a:solidFill>
+              <a:latin typeface="Impact MT Std" pitchFamily="34" charset="0"/>
+              <a:ea typeface="微软雅黑" panose="020B0503020204020204" pitchFamily="34" charset="-122"/>
+            </a:endParaRPr>
           </a:p>
         </p:txBody>
       </p:sp>
@@ -21539,6 +21730,12 @@
               </a:rPr>
               <a:t>可以使用 and 表示同时满足这两者时生效，达到限定范围</a:t>
             </a:r>
+            <a:endParaRPr>
+              <a:solidFill>
+                <a:srgbClr val="FF0000"/>
+              </a:solidFill>
+              <a:sym typeface="+mn-ea"/>
+            </a:endParaRPr>
           </a:p>
           <a:p>
             <a:endParaRPr>
@@ -21558,6 +21755,12 @@
               </a:rPr>
               <a:t>@media handheld and (min-width:20em) and (max-width:50em){...}</a:t>
             </a:r>
+            <a:endParaRPr>
+              <a:solidFill>
+                <a:schemeClr val="tx1"/>
+              </a:solidFill>
+              <a:sym typeface="+mn-ea"/>
+            </a:endParaRPr>
           </a:p>
         </p:txBody>
       </p:sp>
@@ -21567,7 +21770,7 @@
     <a:masterClrMapping/>
   </p:clrMapOvr>
   <mc:AlternateContent xmlns:mc="http://schemas.openxmlformats.org/markup-compatibility/2006">
-    <mc:Choice xmlns:p14="http://schemas.microsoft.com/office/powerpoint/2010/main" xmlns="" Requires="p14">
+    <mc:Choice xmlns:p14="http://schemas.microsoft.com/office/powerpoint/2010/main" Requires="p14">
       <p:transition spd="slow" p14:dur="1100">
         <p14:switch dir="r"/>
       </p:transition>
@@ -22595,6 +22798,13 @@
               </a:rPr>
               <a:t>媒体查询</a:t>
             </a:r>
+            <a:endParaRPr lang="zh-CN" altLang="en-US" b="1" dirty="0" smtClean="0">
+              <a:solidFill>
+                <a:srgbClr val="0070C0"/>
+              </a:solidFill>
+              <a:latin typeface="Impact MT Std" pitchFamily="34" charset="0"/>
+              <a:ea typeface="微软雅黑" panose="020B0503020204020204" pitchFamily="34" charset="-122"/>
+            </a:endParaRPr>
           </a:p>
         </p:txBody>
       </p:sp>
@@ -24105,6 +24315,12 @@
               </a:rPr>
               <a:t>逗号 , 被用来表示 并列 和 或者</a:t>
             </a:r>
+            <a:endParaRPr>
+              <a:solidFill>
+                <a:srgbClr val="FF0000"/>
+              </a:solidFill>
+              <a:sym typeface="+mn-ea"/>
+            </a:endParaRPr>
           </a:p>
           <a:p>
             <a:endParaRPr>
@@ -24124,6 +24340,12 @@
               </a:rPr>
               <a:t>@ handheld and (max-width:20em), screen and (max-width:30em){...}</a:t>
             </a:r>
+            <a:endParaRPr>
+              <a:solidFill>
+                <a:schemeClr val="tx1"/>
+              </a:solidFill>
+              <a:sym typeface="+mn-ea"/>
+            </a:endParaRPr>
           </a:p>
         </p:txBody>
       </p:sp>
@@ -24133,7 +24355,7 @@
     <a:masterClrMapping/>
   </p:clrMapOvr>
   <mc:AlternateContent xmlns:mc="http://schemas.openxmlformats.org/markup-compatibility/2006">
-    <mc:Choice xmlns:p14="http://schemas.microsoft.com/office/powerpoint/2010/main" xmlns="" Requires="p14">
+    <mc:Choice xmlns:p14="http://schemas.microsoft.com/office/powerpoint/2010/main" Requires="p14">
       <p:transition spd="slow" p14:dur="1100">
         <p14:switch dir="r"/>
       </p:transition>
@@ -25161,6 +25383,13 @@
               </a:rPr>
               <a:t>媒体查询</a:t>
             </a:r>
+            <a:endParaRPr lang="zh-CN" altLang="en-US" b="1" dirty="0" smtClean="0">
+              <a:solidFill>
+                <a:srgbClr val="0070C0"/>
+              </a:solidFill>
+              <a:latin typeface="Impact MT Std" pitchFamily="34" charset="0"/>
+              <a:ea typeface="微软雅黑" panose="020B0503020204020204" pitchFamily="34" charset="-122"/>
+            </a:endParaRPr>
           </a:p>
         </p:txBody>
       </p:sp>
@@ -26671,6 +26900,12 @@
               </a:rPr>
               <a:t>排除符合表达式的设备</a:t>
             </a:r>
+            <a:endParaRPr>
+              <a:solidFill>
+                <a:srgbClr val="FF0000"/>
+              </a:solidFill>
+              <a:sym typeface="+mn-ea"/>
+            </a:endParaRPr>
           </a:p>
           <a:p>
             <a:endParaRPr>
@@ -26699,6 +26934,12 @@
               </a:rPr>
               <a:t>{}</a:t>
             </a:r>
+            <a:endParaRPr lang="en-US">
+              <a:solidFill>
+                <a:schemeClr val="tx1"/>
+              </a:solidFill>
+              <a:sym typeface="+mn-ea"/>
+            </a:endParaRPr>
           </a:p>
         </p:txBody>
       </p:sp>
@@ -26708,7 +26949,7 @@
     <a:masterClrMapping/>
   </p:clrMapOvr>
   <mc:AlternateContent xmlns:mc="http://schemas.openxmlformats.org/markup-compatibility/2006">
-    <mc:Choice xmlns:p14="http://schemas.microsoft.com/office/powerpoint/2010/main" xmlns="" Requires="p14">
+    <mc:Choice xmlns:p14="http://schemas.microsoft.com/office/powerpoint/2010/main" Requires="p14">
       <p:transition spd="slow" p14:dur="1100">
         <p14:switch dir="r"/>
       </p:transition>
@@ -28167,6 +28408,13 @@
               </a:rPr>
               <a:t>束</a:t>
             </a:r>
+            <a:endParaRPr lang="zh-CN" altLang="id-ID" sz="3300" b="1" dirty="0">
+              <a:solidFill>
+                <a:schemeClr val="bg1"/>
+              </a:solidFill>
+              <a:latin typeface="微软雅黑" panose="020B0503020204020204" pitchFamily="34" charset="-122"/>
+              <a:ea typeface="微软雅黑" panose="020B0503020204020204" pitchFamily="34" charset="-122"/>
+            </a:endParaRPr>
           </a:p>
         </p:txBody>
       </p:sp>
@@ -28211,6 +28459,13 @@
               </a:rPr>
               <a:t>PPT</a:t>
             </a:r>
+            <a:endParaRPr lang="en-US" altLang="zh-CN" sz="1350" b="1" dirty="0" smtClean="0">
+              <a:solidFill>
+                <a:schemeClr val="bg1"/>
+              </a:solidFill>
+              <a:latin typeface="微软雅黑" panose="020B0503020204020204" pitchFamily="34" charset="-122"/>
+              <a:ea typeface="微软雅黑" panose="020B0503020204020204" pitchFamily="34" charset="-122"/>
+            </a:endParaRPr>
           </a:p>
         </p:txBody>
       </p:sp>
@@ -31136,7 +31391,7 @@
     <a:masterClrMapping/>
   </p:clrMapOvr>
   <mc:AlternateContent xmlns:mc="http://schemas.openxmlformats.org/markup-compatibility/2006">
-    <mc:Choice xmlns:p14="http://schemas.microsoft.com/office/powerpoint/2010/main" xmlns="" Requires="p14">
+    <mc:Choice xmlns:p14="http://schemas.microsoft.com/office/powerpoint/2010/main" Requires="p14">
       <p:transition spd="slow" p14:dur="1100">
         <p14:switch dir="r"/>
       </p:transition>
@@ -33174,6 +33429,13 @@
               </a:rPr>
               <a:t>基础</a:t>
             </a:r>
+            <a:endParaRPr lang="zh-CN" altLang="en-US" b="1" dirty="0" smtClean="0">
+              <a:solidFill>
+                <a:srgbClr val="0070C0"/>
+              </a:solidFill>
+              <a:latin typeface="微软雅黑" panose="020B0503020204020204" pitchFamily="34" charset="-122"/>
+              <a:ea typeface="微软雅黑" panose="020B0503020204020204" pitchFamily="34" charset="-122"/>
+            </a:endParaRPr>
           </a:p>
         </p:txBody>
       </p:sp>
@@ -33538,11 +33800,11 @@
             <p:nvPr/>
           </p:nvPicPr>
           <p:blipFill rotWithShape="1">
-            <a:blip r:embed="rId3" cstate="screen">
+            <a:blip r:embed="rId1" cstate="screen">
               <a:extLst>
                 <a:ext uri="{BEBA8EAE-BF5A-486C-A8C5-ECC9F3942E4B}">
-                  <a14:imgProps xmlns:a14="http://schemas.microsoft.com/office/drawing/2010/main" xmlns="">
-                    <a14:imgLayer r:embed="rId4">
+                  <a14:imgProps xmlns:a14="http://schemas.microsoft.com/office/drawing/2010/main">
+                    <a14:imgLayer r:embed="rId2">
                       <a14:imgEffect>
                         <a14:brightnessContrast bright="-40000" contrast="-40000"/>
                       </a14:imgEffect>
@@ -33571,14 +33833,14 @@
             <a:effectLst/>
             <a:extLst>
               <a:ext uri="{909E8E84-426E-40DD-AFC4-6F175D3DCCD1}">
-                <a14:hiddenFill xmlns:a14="http://schemas.microsoft.com/office/drawing/2010/main" xmlns="">
+                <a14:hiddenFill xmlns:a14="http://schemas.microsoft.com/office/drawing/2010/main">
                   <a:solidFill>
                     <a:schemeClr val="accent1"/>
                   </a:solidFill>
                 </a14:hiddenFill>
               </a:ext>
               <a:ext uri="{91240B29-F687-4F45-9708-019B960494DF}">
-                <a14:hiddenLine xmlns:a14="http://schemas.microsoft.com/office/drawing/2010/main" xmlns="" w="9525">
+                <a14:hiddenLine xmlns:a14="http://schemas.microsoft.com/office/drawing/2010/main" w="9525">
                   <a:solidFill>
                     <a:schemeClr val="tx1"/>
                   </a:solidFill>
@@ -33588,7 +33850,7 @@
                 </a14:hiddenLine>
               </a:ext>
               <a:ext uri="{AF507438-7753-43E0-B8FC-AC1667EBCBE1}">
-                <a14:hiddenEffects xmlns:a14="http://schemas.microsoft.com/office/drawing/2010/main" xmlns="">
+                <a14:hiddenEffects xmlns:a14="http://schemas.microsoft.com/office/drawing/2010/main">
                   <a:effectLst>
                     <a:outerShdw dist="35921" dir="2700000" algn="ctr" rotWithShape="0">
                       <a:schemeClr val="bg2"/>
@@ -33608,11 +33870,11 @@
             <p:nvPr/>
           </p:nvPicPr>
           <p:blipFill rotWithShape="1">
-            <a:blip r:embed="rId3" cstate="screen">
+            <a:blip r:embed="rId1" cstate="screen">
               <a:extLst>
                 <a:ext uri="{BEBA8EAE-BF5A-486C-A8C5-ECC9F3942E4B}">
-                  <a14:imgProps xmlns:a14="http://schemas.microsoft.com/office/drawing/2010/main" xmlns="">
-                    <a14:imgLayer r:embed="rId4">
+                  <a14:imgProps xmlns:a14="http://schemas.microsoft.com/office/drawing/2010/main">
+                    <a14:imgLayer r:embed="rId2">
                       <a14:imgEffect>
                         <a14:brightnessContrast bright="-40000" contrast="-40000"/>
                       </a14:imgEffect>
@@ -33641,14 +33903,14 @@
             <a:effectLst/>
             <a:extLst>
               <a:ext uri="{909E8E84-426E-40DD-AFC4-6F175D3DCCD1}">
-                <a14:hiddenFill xmlns:a14="http://schemas.microsoft.com/office/drawing/2010/main" xmlns="">
+                <a14:hiddenFill xmlns:a14="http://schemas.microsoft.com/office/drawing/2010/main">
                   <a:solidFill>
                     <a:schemeClr val="accent1"/>
                   </a:solidFill>
                 </a14:hiddenFill>
               </a:ext>
               <a:ext uri="{91240B29-F687-4F45-9708-019B960494DF}">
-                <a14:hiddenLine xmlns:a14="http://schemas.microsoft.com/office/drawing/2010/main" xmlns="" w="9525">
+                <a14:hiddenLine xmlns:a14="http://schemas.microsoft.com/office/drawing/2010/main" w="9525">
                   <a:solidFill>
                     <a:schemeClr val="tx1"/>
                   </a:solidFill>
@@ -33658,7 +33920,7 @@
                 </a14:hiddenLine>
               </a:ext>
               <a:ext uri="{AF507438-7753-43E0-B8FC-AC1667EBCBE1}">
-                <a14:hiddenEffects xmlns:a14="http://schemas.microsoft.com/office/drawing/2010/main" xmlns="">
+                <a14:hiddenEffects xmlns:a14="http://schemas.microsoft.com/office/drawing/2010/main">
                   <a:effectLst>
                     <a:outerShdw dist="35921" dir="2700000" algn="ctr" rotWithShape="0">
                       <a:schemeClr val="bg2"/>
@@ -34246,6 +34508,10 @@
               </a:rPr>
               <a:t>第五章</a:t>
             </a:r>
+            <a:endParaRPr lang="zh-CN" sz="4000" dirty="0">
+              <a:latin typeface="微软雅黑" panose="020B0503020204020204" pitchFamily="34" charset="-122"/>
+              <a:ea typeface="微软雅黑" panose="020B0503020204020204" pitchFamily="34" charset="-122"/>
+            </a:endParaRPr>
           </a:p>
           <a:p>
             <a:pPr algn="ctr">
@@ -34277,7 +34543,7 @@
           <p:nvPr/>
         </p:nvPicPr>
         <p:blipFill>
-          <a:blip r:embed="rId5"/>
+          <a:blip r:embed="rId3"/>
           <a:stretch>
             <a:fillRect/>
           </a:stretch>
@@ -34298,7 +34564,7 @@
     <a:masterClrMapping/>
   </p:clrMapOvr>
   <mc:AlternateContent xmlns:mc="http://schemas.openxmlformats.org/markup-compatibility/2006">
-    <mc:Choice xmlns:p14="http://schemas.microsoft.com/office/powerpoint/2010/main" xmlns="" Requires="p14">
+    <mc:Choice xmlns:p14="http://schemas.microsoft.com/office/powerpoint/2010/main" Requires="p14">
       <p:transition spd="slow" p14:dur="1600" advClick="0" advTm="9000">
         <p14:prism dir="d" isInverted="1"/>
       </p:transition>
@@ -35306,7 +35572,7 @@
             <p:nvPr/>
           </p:nvPicPr>
           <p:blipFill>
-            <a:blip r:embed="rId3" cstate="screen"/>
+            <a:blip r:embed="rId1" cstate="screen"/>
             <a:srcRect/>
             <a:stretch>
               <a:fillRect/>
@@ -35323,7 +35589,7 @@
             <a:noFill/>
             <a:extLst>
               <a:ext uri="{909E8E84-426E-40DD-AFC4-6F175D3DCCD1}">
-                <a14:hiddenFill xmlns:a14="http://schemas.microsoft.com/office/drawing/2010/main" xmlns="">
+                <a14:hiddenFill xmlns:a14="http://schemas.microsoft.com/office/drawing/2010/main">
                   <a:solidFill>
                     <a:srgbClr val="FFFFFF"/>
                   </a:solidFill>
@@ -35347,7 +35613,7 @@
               <a:avLst/>
             </a:prstGeom>
             <a:blipFill>
-              <a:blip r:embed="rId4" cstate="screen"/>
+              <a:blip r:embed="rId2" cstate="screen"/>
               <a:srcRect/>
               <a:stretch>
                 <a:fillRect/>
@@ -35413,7 +35679,7 @@
             <p:nvPr/>
           </p:nvPicPr>
           <p:blipFill rotWithShape="1">
-            <a:blip r:embed="rId5" cstate="screen"/>
+            <a:blip r:embed="rId3" cstate="screen"/>
             <a:srcRect/>
             <a:stretch>
               <a:fillRect/>
@@ -35444,7 +35710,7 @@
               <a:avLst/>
             </a:prstGeom>
             <a:blipFill>
-              <a:blip r:embed="rId6" cstate="screen"/>
+              <a:blip r:embed="rId4" cstate="screen"/>
               <a:srcRect/>
               <a:stretch>
                 <a:fillRect/>
@@ -35988,7 +36254,7 @@
             </a:ln>
             <a:extLst>
               <a:ext uri="{91240B29-F687-4F45-9708-019B960494DF}">
-                <a14:hiddenLine xmlns:a14="http://schemas.microsoft.com/office/drawing/2010/main" xmlns="" w="9525">
+                <a14:hiddenLine xmlns:a14="http://schemas.microsoft.com/office/drawing/2010/main" w="9525">
                   <a:solidFill>
                     <a:srgbClr val="000000"/>
                   </a:solidFill>
@@ -36505,7 +36771,7 @@
             </a:ln>
             <a:extLst>
               <a:ext uri="{91240B29-F687-4F45-9708-019B960494DF}">
-                <a14:hiddenLine xmlns:a14="http://schemas.microsoft.com/office/drawing/2010/main" xmlns="" w="9525">
+                <a14:hiddenLine xmlns:a14="http://schemas.microsoft.com/office/drawing/2010/main" w="9525">
                   <a:solidFill>
                     <a:srgbClr val="000000"/>
                   </a:solidFill>
@@ -36555,6 +36821,13 @@
               </a:rPr>
               <a:t>移动端开发</a:t>
             </a:r>
+            <a:endParaRPr lang="zh-CN" altLang="en-US" sz="1600" b="1" dirty="0">
+              <a:solidFill>
+                <a:srgbClr val="0070C0"/>
+              </a:solidFill>
+              <a:latin typeface="微软雅黑" panose="020B0503020204020204" pitchFamily="34" charset="-122"/>
+              <a:ea typeface="微软雅黑" panose="020B0503020204020204" pitchFamily="34" charset="-122"/>
+            </a:endParaRPr>
           </a:p>
         </p:txBody>
       </p:sp>
@@ -36590,6 +36863,13 @@
               </a:rPr>
               <a:t>媒体查询</a:t>
             </a:r>
+            <a:endParaRPr lang="zh-CN" altLang="en-US" sz="1600" b="1" dirty="0" smtClean="0">
+              <a:solidFill>
+                <a:srgbClr val="0070C0"/>
+              </a:solidFill>
+              <a:latin typeface="微软雅黑" panose="020B0503020204020204" pitchFamily="34" charset="-122"/>
+              <a:ea typeface="微软雅黑" panose="020B0503020204020204" pitchFamily="34" charset="-122"/>
+            </a:endParaRPr>
           </a:p>
         </p:txBody>
       </p:sp>
@@ -36626,6 +36906,13 @@
               </a:rPr>
               <a:t>知识点</a:t>
             </a:r>
+            <a:endParaRPr lang="zh-CN" altLang="zh-CN" b="1" dirty="0" smtClean="0">
+              <a:solidFill>
+                <a:srgbClr val="0070C0"/>
+              </a:solidFill>
+              <a:latin typeface="Impact MT Std" pitchFamily="34" charset="0"/>
+              <a:ea typeface="微软雅黑" panose="020B0503020204020204" pitchFamily="34" charset="-122"/>
+            </a:endParaRPr>
           </a:p>
         </p:txBody>
       </p:sp>
@@ -36635,7 +36922,7 @@
     <a:masterClrMapping/>
   </p:clrMapOvr>
   <mc:AlternateContent xmlns:mc="http://schemas.openxmlformats.org/markup-compatibility/2006">
-    <mc:Choice xmlns:p14="http://schemas.microsoft.com/office/powerpoint/2010/main" xmlns="" Requires="p14">
+    <mc:Choice xmlns:p14="http://schemas.microsoft.com/office/powerpoint/2010/main" Requires="p14">
       <p:transition spd="slow" p14:dur="1100">
         <p14:switch dir="r"/>
       </p:transition>
@@ -37807,6 +38094,13 @@
               </a:rPr>
               <a:t>移动端开发</a:t>
             </a:r>
+            <a:endParaRPr lang="zh-CN" altLang="en-US" b="1" dirty="0" smtClean="0">
+              <a:solidFill>
+                <a:srgbClr val="0070C0"/>
+              </a:solidFill>
+              <a:latin typeface="Impact MT Std" pitchFamily="34" charset="0"/>
+              <a:ea typeface="微软雅黑" panose="020B0503020204020204" pitchFamily="34" charset="-122"/>
+            </a:endParaRPr>
           </a:p>
         </p:txBody>
       </p:sp>
@@ -38565,12 +38859,14 @@
               <a:rPr lang="zh-CN" altLang="en-US" dirty="0"/>
               <a:t>所谓响应式布局，是一种针对任意设备对网页内容进行“完美”布局的一种显示机制。</a:t>
             </a:r>
+            <a:endParaRPr lang="zh-CN" altLang="en-US" dirty="0"/>
           </a:p>
           <a:p>
             <a:r>
               <a:rPr lang="zh-CN" altLang="en-US" dirty="0"/>
               <a:t>简言之，是一个网站能够兼容多个终端的布局。</a:t>
             </a:r>
+            <a:endParaRPr lang="zh-CN" altLang="en-US" dirty="0"/>
           </a:p>
           <a:p>
             <a:endParaRPr lang="zh-CN" altLang="en-US" dirty="0"/>
@@ -38580,6 +38876,7 @@
               <a:rPr lang="zh-CN" altLang="en-US" dirty="0"/>
               <a:t>优势：</a:t>
             </a:r>
+            <a:endParaRPr lang="zh-CN" altLang="en-US" dirty="0"/>
           </a:p>
           <a:p>
             <a:endParaRPr lang="zh-CN" altLang="en-US" dirty="0"/>
@@ -38589,24 +38886,28 @@
               <a:rPr lang="zh-CN" altLang="en-US" dirty="0"/>
               <a:t>1. 多终端视觉和操作体验风格非常统一</a:t>
             </a:r>
+            <a:endParaRPr lang="zh-CN" altLang="en-US" dirty="0"/>
           </a:p>
           <a:p>
             <a:r>
               <a:rPr lang="zh-CN" altLang="en-US" dirty="0"/>
               <a:t>2. 兼容当前及未来新设备</a:t>
             </a:r>
+            <a:endParaRPr lang="zh-CN" altLang="en-US" dirty="0"/>
           </a:p>
           <a:p>
             <a:r>
               <a:rPr lang="zh-CN" altLang="en-US" dirty="0"/>
               <a:t>3. 响应式web设计中的大部分技术可以用在WebApp开发中</a:t>
             </a:r>
+            <a:endParaRPr lang="zh-CN" altLang="en-US" dirty="0"/>
           </a:p>
           <a:p>
             <a:r>
               <a:rPr lang="zh-CN" altLang="en-US" dirty="0"/>
               <a:t>4. 节约了开发成本，维护成本也降低很多。</a:t>
             </a:r>
+            <a:endParaRPr lang="zh-CN" altLang="en-US" dirty="0"/>
           </a:p>
           <a:p>
             <a:endParaRPr lang="zh-CN" altLang="en-US" dirty="0"/>
@@ -38619,7 +38920,7 @@
     <a:masterClrMapping/>
   </p:clrMapOvr>
   <mc:AlternateContent xmlns:mc="http://schemas.openxmlformats.org/markup-compatibility/2006">
-    <mc:Choice xmlns:p14="http://schemas.microsoft.com/office/powerpoint/2010/main" xmlns="" Requires="p14">
+    <mc:Choice xmlns:p14="http://schemas.microsoft.com/office/powerpoint/2010/main" Requires="p14">
       <p:transition spd="slow" p14:dur="1100">
         <p14:switch dir="r"/>
       </p:transition>
@@ -39556,6 +39857,13 @@
               </a:rPr>
               <a:t>移动端开发</a:t>
             </a:r>
+            <a:endParaRPr lang="zh-CN" altLang="en-US" b="1" dirty="0" smtClean="0">
+              <a:solidFill>
+                <a:srgbClr val="0070C0"/>
+              </a:solidFill>
+              <a:latin typeface="Impact MT Std" pitchFamily="34" charset="0"/>
+              <a:ea typeface="微软雅黑" panose="020B0503020204020204" pitchFamily="34" charset="-122"/>
+            </a:endParaRPr>
           </a:p>
         </p:txBody>
       </p:sp>
@@ -40336,12 +40644,14 @@
               <a:rPr lang="zh-CN" altLang="en-US" dirty="0"/>
               <a:t>移动设备上的viewport就是设备的屏幕上能用来显示我们的网页的那一块区域</a:t>
             </a:r>
+            <a:endParaRPr lang="zh-CN" altLang="en-US" dirty="0"/>
           </a:p>
           <a:p>
             <a:r>
               <a:rPr lang="zh-CN" altLang="en-US" dirty="0"/>
               <a:t>css中的1px并不等于设备的1px</a:t>
             </a:r>
+            <a:endParaRPr lang="zh-CN" altLang="en-US" dirty="0"/>
           </a:p>
           <a:p>
             <a:endParaRPr lang="zh-CN" altLang="en-US" dirty="0"/>
@@ -40354,7 +40664,7 @@
     <a:masterClrMapping/>
   </p:clrMapOvr>
   <mc:AlternateContent xmlns:mc="http://schemas.openxmlformats.org/markup-compatibility/2006">
-    <mc:Choice xmlns:p14="http://schemas.microsoft.com/office/powerpoint/2010/main" xmlns="" Requires="p14">
+    <mc:Choice xmlns:p14="http://schemas.microsoft.com/office/powerpoint/2010/main" Requires="p14">
       <p:transition spd="slow" p14:dur="1100">
         <p14:switch dir="r"/>
       </p:transition>
@@ -41291,6 +41601,13 @@
               </a:rPr>
               <a:t>移动端开发</a:t>
             </a:r>
+            <a:endParaRPr lang="zh-CN" altLang="en-US" b="1" dirty="0" smtClean="0">
+              <a:solidFill>
+                <a:srgbClr val="0070C0"/>
+              </a:solidFill>
+              <a:latin typeface="Impact MT Std" pitchFamily="34" charset="0"/>
+              <a:ea typeface="微软雅黑" panose="020B0503020204020204" pitchFamily="34" charset="-122"/>
+            </a:endParaRPr>
           </a:p>
         </p:txBody>
       </p:sp>
@@ -42071,6 +42388,7 @@
               <a:rPr lang="zh-CN" altLang="en-US" dirty="0"/>
               <a:t>layout viewport  文档宽度</a:t>
             </a:r>
+            <a:endParaRPr lang="zh-CN" altLang="en-US" dirty="0"/>
           </a:p>
           <a:p>
             <a:r>
@@ -42083,6 +42401,7 @@
               <a:rPr lang="zh-CN" altLang="en-US" dirty="0"/>
               <a:t>浏览器宽度</a:t>
             </a:r>
+            <a:endParaRPr lang="zh-CN" altLang="en-US" dirty="0"/>
           </a:p>
           <a:p>
             <a:r>
@@ -42103,6 +42422,9 @@
               </a:rPr>
               <a:t>ideal viewport宽度等于移动设备的屏幕宽度</a:t>
             </a:r>
+            <a:endParaRPr dirty="0">
+              <a:sym typeface="+mn-ea"/>
+            </a:endParaRPr>
           </a:p>
           <a:p>
             <a:endParaRPr lang="zh-CN" altLang="en-US" dirty="0"/>
@@ -42115,7 +42437,7 @@
     <a:masterClrMapping/>
   </p:clrMapOvr>
   <mc:AlternateContent xmlns:mc="http://schemas.openxmlformats.org/markup-compatibility/2006">
-    <mc:Choice xmlns:p14="http://schemas.microsoft.com/office/powerpoint/2010/main" xmlns="" Requires="p14">
+    <mc:Choice xmlns:p14="http://schemas.microsoft.com/office/powerpoint/2010/main" Requires="p14">
       <p:transition spd="slow" p14:dur="1100">
         <p14:switch dir="r"/>
       </p:transition>
@@ -43052,6 +43374,13 @@
               </a:rPr>
               <a:t>移动端开发</a:t>
             </a:r>
+            <a:endParaRPr lang="zh-CN" altLang="en-US" b="1" dirty="0" smtClean="0">
+              <a:solidFill>
+                <a:srgbClr val="0070C0"/>
+              </a:solidFill>
+              <a:latin typeface="Impact MT Std" pitchFamily="34" charset="0"/>
+              <a:ea typeface="微软雅黑" panose="020B0503020204020204" pitchFamily="34" charset="-122"/>
+            </a:endParaRPr>
           </a:p>
         </p:txBody>
       </p:sp>
@@ -43820,6 +44149,7 @@
               <a:rPr lang="zh-CN" altLang="en-US"/>
               <a:t>大小</a:t>
             </a:r>
+            <a:endParaRPr lang="zh-CN" altLang="en-US"/>
           </a:p>
         </p:txBody>
       </p:sp>
@@ -43832,7 +44162,7 @@
           <p:nvPr/>
         </p:nvPicPr>
         <p:blipFill>
-          <a:blip r:embed="rId3"/>
+          <a:blip r:embed="rId1"/>
           <a:stretch>
             <a:fillRect/>
           </a:stretch>
@@ -43853,7 +44183,7 @@
     <a:masterClrMapping/>
   </p:clrMapOvr>
   <mc:AlternateContent xmlns:mc="http://schemas.openxmlformats.org/markup-compatibility/2006">
-    <mc:Choice xmlns:p14="http://schemas.microsoft.com/office/powerpoint/2010/main" xmlns="" Requires="p14">
+    <mc:Choice xmlns:p14="http://schemas.microsoft.com/office/powerpoint/2010/main" Requires="p14">
       <p:transition spd="slow" p14:dur="1100">
         <p14:switch dir="r"/>
       </p:transition>
@@ -44790,6 +45120,13 @@
               </a:rPr>
               <a:t>移动端开发</a:t>
             </a:r>
+            <a:endParaRPr lang="zh-CN" altLang="en-US" b="1" dirty="0" smtClean="0">
+              <a:solidFill>
+                <a:srgbClr val="0070C0"/>
+              </a:solidFill>
+              <a:latin typeface="Impact MT Std" pitchFamily="34" charset="0"/>
+              <a:ea typeface="微软雅黑" panose="020B0503020204020204" pitchFamily="34" charset="-122"/>
+            </a:endParaRPr>
           </a:p>
         </p:txBody>
       </p:sp>
@@ -45567,6 +45904,7 @@
               <a:rPr lang="zh-CN" altLang="en-US" dirty="0" smtClean="0"/>
               <a:t>&lt;meta name="viewport" content="width=device-width, initial-scale=1.0, minimum-scale=1.0, maximum-scale=1.0, user-scalable=no"&gt;</a:t>
             </a:r>
+            <a:endParaRPr lang="zh-CN" altLang="en-US" dirty="0" smtClean="0"/>
           </a:p>
           <a:p>
             <a:r>
@@ -45577,6 +45915,7 @@
               <a:rPr lang="zh-CN" altLang="en-US" dirty="0"/>
               <a:t>以下属性对viewport进行控制, 可多个同时使用，并用逗号隔开</a:t>
             </a:r>
+            <a:endParaRPr lang="zh-CN" altLang="en-US" dirty="0"/>
           </a:p>
           <a:p>
             <a:r>
@@ -45589,36 +45928,42 @@
               <a:rPr lang="zh-CN" altLang="en-US" dirty="0"/>
               <a:t>  表示对视窗的设置</a:t>
             </a:r>
+            <a:endParaRPr lang="zh-CN" altLang="en-US" dirty="0"/>
           </a:p>
           <a:p>
             <a:r>
               <a:rPr lang="zh-CN" altLang="en-US" dirty="0"/>
               <a:t>width 设置layout viewport 的宽度，”width-device”宽度等于当前设备宽度</a:t>
             </a:r>
+            <a:endParaRPr lang="zh-CN" altLang="en-US" dirty="0"/>
           </a:p>
           <a:p>
             <a:r>
               <a:rPr lang="zh-CN" altLang="en-US" dirty="0"/>
               <a:t>initial-scale 设置页面的初始缩放值，为一个数字，可以带小数</a:t>
             </a:r>
+            <a:endParaRPr lang="zh-CN" altLang="en-US" dirty="0"/>
           </a:p>
           <a:p>
             <a:r>
               <a:rPr lang="zh-CN" altLang="en-US" dirty="0"/>
               <a:t>minimum-scale 允许用户的最小缩放值，为一个数字，可以带小数</a:t>
             </a:r>
+            <a:endParaRPr lang="zh-CN" altLang="en-US" dirty="0"/>
           </a:p>
           <a:p>
             <a:r>
               <a:rPr lang="zh-CN" altLang="en-US" dirty="0"/>
               <a:t>maximum-scale 允许用户的最大缩放值，为一个数字，可以带小数</a:t>
             </a:r>
+            <a:endParaRPr lang="zh-CN" altLang="en-US" dirty="0"/>
           </a:p>
           <a:p>
             <a:r>
               <a:rPr lang="zh-CN" altLang="en-US" dirty="0"/>
               <a:t>user-scalable 是否允许用户进行缩放，值为”no”或”yes”,no代表不允许，yes代表允许</a:t>
             </a:r>
+            <a:endParaRPr lang="zh-CN" altLang="en-US" dirty="0"/>
           </a:p>
         </p:txBody>
       </p:sp>
@@ -45628,7 +45973,7 @@
     <a:masterClrMapping/>
   </p:clrMapOvr>
   <mc:AlternateContent xmlns:mc="http://schemas.openxmlformats.org/markup-compatibility/2006">
-    <mc:Choice xmlns:p14="http://schemas.microsoft.com/office/powerpoint/2010/main" xmlns="" Requires="p14">
+    <mc:Choice xmlns:p14="http://schemas.microsoft.com/office/powerpoint/2010/main" Requires="p14">
       <p:transition spd="slow" p14:dur="1100">
         <p14:switch dir="r"/>
       </p:transition>
@@ -46565,6 +46910,13 @@
               </a:rPr>
               <a:t>移动端开发</a:t>
             </a:r>
+            <a:endParaRPr lang="zh-CN" altLang="en-US" b="1" dirty="0" smtClean="0">
+              <a:solidFill>
+                <a:srgbClr val="0070C0"/>
+              </a:solidFill>
+              <a:latin typeface="Impact MT Std" pitchFamily="34" charset="0"/>
+              <a:ea typeface="微软雅黑" panose="020B0503020204020204" pitchFamily="34" charset="-122"/>
+            </a:endParaRPr>
           </a:p>
         </p:txBody>
       </p:sp>
@@ -47357,6 +47709,11 @@
               </a:rPr>
               <a:t>em</a:t>
             </a:r>
+            <a:endParaRPr lang="zh-CN" altLang="en-US" sz="1600">
+              <a:solidFill>
+                <a:schemeClr val="tx1"/>
+              </a:solidFill>
+            </a:endParaRPr>
           </a:p>
           <a:p>
             <a:r>
@@ -47367,6 +47724,11 @@
               </a:rPr>
               <a:t>相对单位，基于自身字体大小font-size来计算，所以不同的元素1em代表的具体大小可能不同。</a:t>
             </a:r>
+            <a:endParaRPr lang="zh-CN" altLang="en-US" sz="1600">
+              <a:solidFill>
+                <a:schemeClr val="tx1"/>
+              </a:solidFill>
+            </a:endParaRPr>
           </a:p>
           <a:p>
             <a:endParaRPr lang="zh-CN" altLang="en-US" sz="1600">
@@ -47384,6 +47746,11 @@
               </a:rPr>
               <a:t>rem</a:t>
             </a:r>
+            <a:endParaRPr lang="zh-CN" altLang="en-US" sz="1600">
+              <a:solidFill>
+                <a:schemeClr val="tx1"/>
+              </a:solidFill>
+            </a:endParaRPr>
           </a:p>
           <a:p>
             <a:r>
@@ -47394,6 +47761,11 @@
               </a:rPr>
               <a:t>相对单位，可理解为”root em”, 相对根节点html的字体大小来计算，CSS3新加属性，chrome/firefox/IE9+支持</a:t>
             </a:r>
+            <a:endParaRPr lang="zh-CN" altLang="en-US" sz="1600">
+              <a:solidFill>
+                <a:schemeClr val="tx1"/>
+              </a:solidFill>
+            </a:endParaRPr>
           </a:p>
           <a:p>
             <a:endParaRPr lang="zh-CN" altLang="en-US" sz="1600">
@@ -47417,7 +47789,7 @@
     <a:masterClrMapping/>
   </p:clrMapOvr>
   <mc:AlternateContent xmlns:mc="http://schemas.openxmlformats.org/markup-compatibility/2006">
-    <mc:Choice xmlns:p14="http://schemas.microsoft.com/office/powerpoint/2010/main" xmlns="" Requires="p14">
+    <mc:Choice xmlns:p14="http://schemas.microsoft.com/office/powerpoint/2010/main" Requires="p14">
       <p:transition spd="slow" p14:dur="1100">
         <p14:switch dir="r"/>
       </p:transition>
@@ -48166,11 +48538,9 @@
       </a:bgFillStyleLst>
     </a:fmtScheme>
   </a:themeElements>
-  <a:objectDefaults/>
-  <a:extraClrSchemeLst/>
   <a:extLst>
     <a:ext uri="{05A4C25C-085E-4340-85A3-A5531E510DB2}">
-      <thm15:themeFamily xmlns:thm15="http://schemas.microsoft.com/office/thememl/2012/main" xmlns="" name="Office Theme" id="{62F939B6-93AF-4DB8-9C6B-D6C7DFDC589F}" vid="{4A3C46E8-61CC-4603-A589-7422A47A8E4A}"/>
+      <thm15:themeFamily xmlns:thm15="http://schemas.microsoft.com/office/thememl/2012/main" name="Office Theme" id="{62F939B6-93AF-4DB8-9C6B-D6C7DFDC589F}" vid="{4A3C46E8-61CC-4603-A589-7422A47A8E4A}"/>
     </a:ext>
   </a:extLst>
 </a:theme>
@@ -48456,11 +48826,9 @@
       </a:bgFillStyleLst>
     </a:fmtScheme>
   </a:themeElements>
-  <a:objectDefaults/>
-  <a:extraClrSchemeLst/>
   <a:extLst>
     <a:ext uri="{05A4C25C-085E-4340-85A3-A5531E510DB2}">
-      <thm15:themeFamily xmlns:thm15="http://schemas.microsoft.com/office/thememl/2012/main" xmlns="" name="Office Theme" id="{62F939B6-93AF-4DB8-9C6B-D6C7DFDC589F}" vid="{4A3C46E8-61CC-4603-A589-7422A47A8E4A}"/>
+      <thm15:themeFamily xmlns:thm15="http://schemas.microsoft.com/office/thememl/2012/main" name="Office Theme" id="{62F939B6-93AF-4DB8-9C6B-D6C7DFDC589F}" vid="{4A3C46E8-61CC-4603-A589-7422A47A8E4A}"/>
     </a:ext>
   </a:extLst>
 </a:theme>
